--- a/project4ppt.pptx
+++ b/project4ppt.pptx
@@ -260,7 +260,7 @@
           <a:p>
             <a:fld id="{86AB0D5A-627E-4B77-B480-E99FBB1DE121}" type="datetimeFigureOut">
               <a:rPr lang="en-IN" smtClean="0"/>
-              <a:t>19-03-2025</a:t>
+              <a:t>23-03-2025</a:t>
             </a:fld>
             <a:endParaRPr lang="en-IN"/>
           </a:p>
@@ -430,7 +430,7 @@
           <a:p>
             <a:fld id="{86AB0D5A-627E-4B77-B480-E99FBB1DE121}" type="datetimeFigureOut">
               <a:rPr lang="en-IN" smtClean="0"/>
-              <a:t>19-03-2025</a:t>
+              <a:t>23-03-2025</a:t>
             </a:fld>
             <a:endParaRPr lang="en-IN"/>
           </a:p>
@@ -610,7 +610,7 @@
           <a:p>
             <a:fld id="{86AB0D5A-627E-4B77-B480-E99FBB1DE121}" type="datetimeFigureOut">
               <a:rPr lang="en-IN" smtClean="0"/>
-              <a:t>19-03-2025</a:t>
+              <a:t>23-03-2025</a:t>
             </a:fld>
             <a:endParaRPr lang="en-IN"/>
           </a:p>
@@ -780,7 +780,7 @@
           <a:p>
             <a:fld id="{86AB0D5A-627E-4B77-B480-E99FBB1DE121}" type="datetimeFigureOut">
               <a:rPr lang="en-IN" smtClean="0"/>
-              <a:t>19-03-2025</a:t>
+              <a:t>23-03-2025</a:t>
             </a:fld>
             <a:endParaRPr lang="en-IN"/>
           </a:p>
@@ -1026,7 +1026,7 @@
           <a:p>
             <a:fld id="{86AB0D5A-627E-4B77-B480-E99FBB1DE121}" type="datetimeFigureOut">
               <a:rPr lang="en-IN" smtClean="0"/>
-              <a:t>19-03-2025</a:t>
+              <a:t>23-03-2025</a:t>
             </a:fld>
             <a:endParaRPr lang="en-IN"/>
           </a:p>
@@ -1258,7 +1258,7 @@
           <a:p>
             <a:fld id="{86AB0D5A-627E-4B77-B480-E99FBB1DE121}" type="datetimeFigureOut">
               <a:rPr lang="en-IN" smtClean="0"/>
-              <a:t>19-03-2025</a:t>
+              <a:t>23-03-2025</a:t>
             </a:fld>
             <a:endParaRPr lang="en-IN"/>
           </a:p>
@@ -1625,7 +1625,7 @@
           <a:p>
             <a:fld id="{86AB0D5A-627E-4B77-B480-E99FBB1DE121}" type="datetimeFigureOut">
               <a:rPr lang="en-IN" smtClean="0"/>
-              <a:t>19-03-2025</a:t>
+              <a:t>23-03-2025</a:t>
             </a:fld>
             <a:endParaRPr lang="en-IN"/>
           </a:p>
@@ -1743,7 +1743,7 @@
           <a:p>
             <a:fld id="{86AB0D5A-627E-4B77-B480-E99FBB1DE121}" type="datetimeFigureOut">
               <a:rPr lang="en-IN" smtClean="0"/>
-              <a:t>19-03-2025</a:t>
+              <a:t>23-03-2025</a:t>
             </a:fld>
             <a:endParaRPr lang="en-IN"/>
           </a:p>
@@ -1838,7 +1838,7 @@
           <a:p>
             <a:fld id="{86AB0D5A-627E-4B77-B480-E99FBB1DE121}" type="datetimeFigureOut">
               <a:rPr lang="en-IN" smtClean="0"/>
-              <a:t>19-03-2025</a:t>
+              <a:t>23-03-2025</a:t>
             </a:fld>
             <a:endParaRPr lang="en-IN"/>
           </a:p>
@@ -2115,7 +2115,7 @@
           <a:p>
             <a:fld id="{86AB0D5A-627E-4B77-B480-E99FBB1DE121}" type="datetimeFigureOut">
               <a:rPr lang="en-IN" smtClean="0"/>
-              <a:t>19-03-2025</a:t>
+              <a:t>23-03-2025</a:t>
             </a:fld>
             <a:endParaRPr lang="en-IN"/>
           </a:p>
@@ -2368,7 +2368,7 @@
           <a:p>
             <a:fld id="{86AB0D5A-627E-4B77-B480-E99FBB1DE121}" type="datetimeFigureOut">
               <a:rPr lang="en-IN" smtClean="0"/>
-              <a:t>19-03-2025</a:t>
+              <a:t>23-03-2025</a:t>
             </a:fld>
             <a:endParaRPr lang="en-IN"/>
           </a:p>
@@ -2581,7 +2581,7 @@
           <a:p>
             <a:fld id="{86AB0D5A-627E-4B77-B480-E99FBB1DE121}" type="datetimeFigureOut">
               <a:rPr lang="en-IN" smtClean="0"/>
-              <a:t>19-03-2025</a:t>
+              <a:t>23-03-2025</a:t>
             </a:fld>
             <a:endParaRPr lang="en-IN"/>
           </a:p>
@@ -3006,7 +3006,7 @@
         </p:nvSpPr>
         <p:spPr>
           <a:xfrm>
-            <a:off x="307818" y="0"/>
+            <a:off x="536014" y="157017"/>
             <a:ext cx="11312653" cy="6545655"/>
           </a:xfrm>
           <a:prstGeom prst="rect">
@@ -3054,14 +3054,54 @@
       </p:sp>
       <p:sp>
         <p:nvSpPr>
+          <p:cNvPr id="3" name="Oval 2"/>
+          <p:cNvSpPr/>
+          <p:nvPr/>
+        </p:nvSpPr>
+        <p:spPr>
+          <a:xfrm>
+            <a:off x="674162" y="1767300"/>
+            <a:ext cx="10814686" cy="3325091"/>
+          </a:xfrm>
+          <a:prstGeom prst="ellipse">
+            <a:avLst/>
+          </a:prstGeom>
+        </p:spPr>
+        <p:style>
+          <a:lnRef idx="2">
+            <a:schemeClr val="accent1">
+              <a:shade val="50000"/>
+            </a:schemeClr>
+          </a:lnRef>
+          <a:fillRef idx="1">
+            <a:schemeClr val="accent1"/>
+          </a:fillRef>
+          <a:effectRef idx="0">
+            <a:schemeClr val="accent1"/>
+          </a:effectRef>
+          <a:fontRef idx="minor">
+            <a:schemeClr val="lt1"/>
+          </a:fontRef>
+        </p:style>
+        <p:txBody>
+          <a:bodyPr rtlCol="0" anchor="ctr"/>
+          <a:lstStyle/>
+          <a:p>
+            <a:pPr algn="ctr"/>
+            <a:endParaRPr lang="en-IN"/>
+          </a:p>
+        </p:txBody>
+      </p:sp>
+      <p:sp>
+        <p:nvSpPr>
           <p:cNvPr id="2" name="TextBox 1"/>
           <p:cNvSpPr txBox="1"/>
           <p:nvPr/>
         </p:nvSpPr>
         <p:spPr>
           <a:xfrm>
-            <a:off x="688063" y="253497"/>
-            <a:ext cx="9379391" cy="1200329"/>
+            <a:off x="1265212" y="2794540"/>
+            <a:ext cx="9379391" cy="646331"/>
           </a:xfrm>
           <a:prstGeom prst="rect">
             <a:avLst/>
@@ -3074,14 +3114,8 @@
           </a:bodyPr>
           <a:lstStyle/>
           <a:p>
-            <a:endParaRPr lang="en-IN" dirty="0"/>
-          </a:p>
-          <a:p>
-            <a:endParaRPr lang="en-IN" dirty="0"/>
-          </a:p>
-          <a:p>
-            <a:r>
-              <a:rPr lang="en-US" sz="3600" dirty="0"/>
+            <a:r>
+              <a:rPr lang="en-US" sz="3600" dirty="0" smtClean="0"/>
               <a:t> </a:t>
             </a:r>
             <a:r>
@@ -3104,7 +3138,7 @@
         </p:nvSpPr>
         <p:spPr>
           <a:xfrm>
-            <a:off x="787651" y="1593503"/>
+            <a:off x="1319382" y="3653779"/>
             <a:ext cx="9524246" cy="646331"/>
           </a:xfrm>
           <a:prstGeom prst="rect">
@@ -3133,7 +3167,7 @@
         </p:nvSpPr>
         <p:spPr>
           <a:xfrm>
-            <a:off x="3965418" y="2767033"/>
+            <a:off x="9559817" y="6149387"/>
             <a:ext cx="2353902" cy="523220"/>
           </a:xfrm>
           <a:prstGeom prst="rect">
@@ -3214,6 +3248,60 @@
       </p:grpSpPr>
       <p:sp>
         <p:nvSpPr>
+          <p:cNvPr id="4" name="Rectangle 3"/>
+          <p:cNvSpPr/>
+          <p:nvPr/>
+        </p:nvSpPr>
+        <p:spPr>
+          <a:xfrm>
+            <a:off x="199176" y="171044"/>
+            <a:ext cx="11688024" cy="6545655"/>
+          </a:xfrm>
+          <a:prstGeom prst="rect">
+            <a:avLst/>
+          </a:prstGeom>
+          <a:solidFill>
+            <a:schemeClr val="accent3">
+              <a:lumMod val="20000"/>
+              <a:lumOff val="80000"/>
+              <a:alpha val="47000"/>
+            </a:schemeClr>
+          </a:solidFill>
+          <a:ln w="44450">
+            <a:solidFill>
+              <a:schemeClr val="accent2">
+                <a:lumMod val="50000"/>
+              </a:schemeClr>
+            </a:solidFill>
+          </a:ln>
+        </p:spPr>
+        <p:style>
+          <a:lnRef idx="2">
+            <a:schemeClr val="accent1">
+              <a:shade val="50000"/>
+            </a:schemeClr>
+          </a:lnRef>
+          <a:fillRef idx="1">
+            <a:schemeClr val="accent1"/>
+          </a:fillRef>
+          <a:effectRef idx="0">
+            <a:schemeClr val="accent1"/>
+          </a:effectRef>
+          <a:fontRef idx="minor">
+            <a:schemeClr val="lt1"/>
+          </a:fontRef>
+        </p:style>
+        <p:txBody>
+          <a:bodyPr rtlCol="0" anchor="ctr"/>
+          <a:lstStyle/>
+          <a:p>
+            <a:pPr algn="ctr"/>
+            <a:endParaRPr lang="en-IN" dirty="0"/>
+          </a:p>
+        </p:txBody>
+      </p:sp>
+      <p:sp>
+        <p:nvSpPr>
           <p:cNvPr id="8" name="TextBox 7"/>
           <p:cNvSpPr txBox="1"/>
           <p:nvPr/>
@@ -3250,8 +3338,8 @@
         </p:nvSpPr>
         <p:spPr>
           <a:xfrm>
-            <a:off x="317573" y="182708"/>
-            <a:ext cx="6096000" cy="981423"/>
+            <a:off x="778948" y="452383"/>
+            <a:ext cx="6096000" cy="3775585"/>
           </a:xfrm>
           <a:prstGeom prst="rect">
             <a:avLst/>
@@ -3272,7 +3360,7 @@
               </a:spcAft>
             </a:pPr>
             <a:r>
-              <a:rPr lang="en-IN" dirty="0">
+              <a:rPr lang="en-IN" sz="2500" dirty="0">
                 <a:latin typeface="Times New Roman" panose="02020603050405020304" pitchFamily="18" charset="0"/>
                 <a:ea typeface="Times New Roman" panose="02020603050405020304" pitchFamily="18" charset="0"/>
                 <a:cs typeface="Times New Roman" panose="02020603050405020304" pitchFamily="18" charset="0"/>
@@ -3280,7 +3368,7 @@
               <a:t>Now, the dataset is cleaned and ready for </a:t>
             </a:r>
             <a:r>
-              <a:rPr lang="en-IN" b="1" dirty="0">
+              <a:rPr lang="en-IN" sz="2500" b="1" dirty="0">
                 <a:latin typeface="Times New Roman" panose="02020603050405020304" pitchFamily="18" charset="0"/>
                 <a:ea typeface="Times New Roman" panose="02020603050405020304" pitchFamily="18" charset="0"/>
                 <a:cs typeface="Times New Roman" panose="02020603050405020304" pitchFamily="18" charset="0"/>
@@ -3288,15 +3376,91 @@
               <a:t>model training</a:t>
             </a:r>
             <a:r>
-              <a:rPr lang="en-IN" dirty="0">
+              <a:rPr lang="en-IN" sz="2500" dirty="0">
                 <a:latin typeface="Times New Roman" panose="02020603050405020304" pitchFamily="18" charset="0"/>
                 <a:ea typeface="Times New Roman" panose="02020603050405020304" pitchFamily="18" charset="0"/>
                 <a:cs typeface="Times New Roman" panose="02020603050405020304" pitchFamily="18" charset="0"/>
               </a:rPr>
-              <a:t>. The next step is to split the data into </a:t>
-            </a:r>
-            <a:r>
-              <a:rPr lang="en-IN" b="1" dirty="0">
+              <a:t>. </a:t>
+            </a:r>
+            <a:endParaRPr lang="en-IN" sz="2500" dirty="0" smtClean="0">
+              <a:latin typeface="Times New Roman" panose="02020603050405020304" pitchFamily="18" charset="0"/>
+              <a:ea typeface="Times New Roman" panose="02020603050405020304" pitchFamily="18" charset="0"/>
+              <a:cs typeface="Times New Roman" panose="02020603050405020304" pitchFamily="18" charset="0"/>
+            </a:endParaRPr>
+          </a:p>
+          <a:p>
+            <a:pPr>
+              <a:lnSpc>
+                <a:spcPct val="107000"/>
+              </a:lnSpc>
+              <a:spcAft>
+                <a:spcPts val="800"/>
+              </a:spcAft>
+            </a:pPr>
+            <a:endParaRPr lang="en-IN" sz="2500" dirty="0">
+              <a:latin typeface="Times New Roman" panose="02020603050405020304" pitchFamily="18" charset="0"/>
+              <a:ea typeface="Times New Roman" panose="02020603050405020304" pitchFamily="18" charset="0"/>
+              <a:cs typeface="Times New Roman" panose="02020603050405020304" pitchFamily="18" charset="0"/>
+            </a:endParaRPr>
+          </a:p>
+          <a:p>
+            <a:pPr>
+              <a:lnSpc>
+                <a:spcPct val="107000"/>
+              </a:lnSpc>
+              <a:spcAft>
+                <a:spcPts val="800"/>
+              </a:spcAft>
+            </a:pPr>
+            <a:endParaRPr lang="en-IN" sz="2500" dirty="0" smtClean="0">
+              <a:latin typeface="Times New Roman" panose="02020603050405020304" pitchFamily="18" charset="0"/>
+              <a:ea typeface="Times New Roman" panose="02020603050405020304" pitchFamily="18" charset="0"/>
+              <a:cs typeface="Times New Roman" panose="02020603050405020304" pitchFamily="18" charset="0"/>
+            </a:endParaRPr>
+          </a:p>
+          <a:p>
+            <a:pPr>
+              <a:lnSpc>
+                <a:spcPct val="107000"/>
+              </a:lnSpc>
+              <a:spcAft>
+                <a:spcPts val="800"/>
+              </a:spcAft>
+            </a:pPr>
+            <a:endParaRPr lang="en-IN" sz="2500" dirty="0">
+              <a:latin typeface="Times New Roman" panose="02020603050405020304" pitchFamily="18" charset="0"/>
+              <a:ea typeface="Times New Roman" panose="02020603050405020304" pitchFamily="18" charset="0"/>
+              <a:cs typeface="Times New Roman" panose="02020603050405020304" pitchFamily="18" charset="0"/>
+            </a:endParaRPr>
+          </a:p>
+          <a:p>
+            <a:pPr>
+              <a:lnSpc>
+                <a:spcPct val="107000"/>
+              </a:lnSpc>
+              <a:spcAft>
+                <a:spcPts val="800"/>
+              </a:spcAft>
+            </a:pPr>
+            <a:r>
+              <a:rPr lang="en-IN" sz="2500" dirty="0" smtClean="0">
+                <a:latin typeface="Times New Roman" panose="02020603050405020304" pitchFamily="18" charset="0"/>
+                <a:ea typeface="Times New Roman" panose="02020603050405020304" pitchFamily="18" charset="0"/>
+                <a:cs typeface="Times New Roman" panose="02020603050405020304" pitchFamily="18" charset="0"/>
+              </a:rPr>
+              <a:t>The </a:t>
+            </a:r>
+            <a:r>
+              <a:rPr lang="en-IN" sz="2500" dirty="0">
+                <a:latin typeface="Times New Roman" panose="02020603050405020304" pitchFamily="18" charset="0"/>
+                <a:ea typeface="Times New Roman" panose="02020603050405020304" pitchFamily="18" charset="0"/>
+                <a:cs typeface="Times New Roman" panose="02020603050405020304" pitchFamily="18" charset="0"/>
+              </a:rPr>
+              <a:t>next step is to split the data into </a:t>
+            </a:r>
+            <a:r>
+              <a:rPr lang="en-IN" sz="2500" b="1" dirty="0">
                 <a:latin typeface="Times New Roman" panose="02020603050405020304" pitchFamily="18" charset="0"/>
                 <a:ea typeface="Times New Roman" panose="02020603050405020304" pitchFamily="18" charset="0"/>
                 <a:cs typeface="Times New Roman" panose="02020603050405020304" pitchFamily="18" charset="0"/>
@@ -3304,14 +3468,14 @@
               <a:t>training and testing sets</a:t>
             </a:r>
             <a:r>
-              <a:rPr lang="en-IN" dirty="0">
+              <a:rPr lang="en-IN" sz="2500" dirty="0">
                 <a:latin typeface="Times New Roman" panose="02020603050405020304" pitchFamily="18" charset="0"/>
                 <a:ea typeface="Times New Roman" panose="02020603050405020304" pitchFamily="18" charset="0"/>
                 <a:cs typeface="Times New Roman" panose="02020603050405020304" pitchFamily="18" charset="0"/>
               </a:rPr>
               <a:t> and build a predictive model for price estimation. </a:t>
             </a:r>
-            <a:endParaRPr lang="en-IN" sz="1600" dirty="0">
+            <a:endParaRPr lang="en-IN" sz="2500" dirty="0">
               <a:effectLst/>
               <a:latin typeface="Calibri" panose="020F0502020204030204" pitchFamily="34" charset="0"/>
               <a:ea typeface="Calibri" panose="020F0502020204030204" pitchFamily="34" charset="0"/>
@@ -3371,6 +3535,60 @@
       </p:grpSpPr>
       <p:sp>
         <p:nvSpPr>
+          <p:cNvPr id="6" name="Rectangle 5"/>
+          <p:cNvSpPr/>
+          <p:nvPr/>
+        </p:nvSpPr>
+        <p:spPr>
+          <a:xfrm>
+            <a:off x="199176" y="143335"/>
+            <a:ext cx="11688024" cy="6545655"/>
+          </a:xfrm>
+          <a:prstGeom prst="rect">
+            <a:avLst/>
+          </a:prstGeom>
+          <a:solidFill>
+            <a:schemeClr val="accent3">
+              <a:lumMod val="20000"/>
+              <a:lumOff val="80000"/>
+              <a:alpha val="47000"/>
+            </a:schemeClr>
+          </a:solidFill>
+          <a:ln w="44450">
+            <a:solidFill>
+              <a:schemeClr val="accent2">
+                <a:lumMod val="50000"/>
+              </a:schemeClr>
+            </a:solidFill>
+          </a:ln>
+        </p:spPr>
+        <p:style>
+          <a:lnRef idx="2">
+            <a:schemeClr val="accent1">
+              <a:shade val="50000"/>
+            </a:schemeClr>
+          </a:lnRef>
+          <a:fillRef idx="1">
+            <a:schemeClr val="accent1"/>
+          </a:fillRef>
+          <a:effectRef idx="0">
+            <a:schemeClr val="accent1"/>
+          </a:effectRef>
+          <a:fontRef idx="minor">
+            <a:schemeClr val="lt1"/>
+          </a:fontRef>
+        </p:style>
+        <p:txBody>
+          <a:bodyPr rtlCol="0" anchor="ctr"/>
+          <a:lstStyle/>
+          <a:p>
+            <a:pPr algn="ctr"/>
+            <a:endParaRPr lang="en-IN" dirty="0"/>
+          </a:p>
+        </p:txBody>
+      </p:sp>
+      <p:sp>
+        <p:nvSpPr>
           <p:cNvPr id="8" name="TextBox 7"/>
           <p:cNvSpPr txBox="1"/>
           <p:nvPr/>
@@ -3407,8 +3625,8 @@
         </p:nvSpPr>
         <p:spPr>
           <a:xfrm>
-            <a:off x="246001" y="193316"/>
-            <a:ext cx="6022098" cy="369332"/>
+            <a:off x="199176" y="294916"/>
+            <a:ext cx="6665671" cy="400110"/>
           </a:xfrm>
           <a:prstGeom prst="rect">
             <a:avLst/>
@@ -3421,8 +3639,12 @@
           <a:lstStyle/>
           <a:p>
             <a:r>
+              <a:rPr lang="en-US" sz="2000" dirty="0"/>
+              <a:t>Model Building: Split the dataset into training and testing sets</a:t>
+            </a:r>
+            <a:r>
               <a:rPr lang="en-US" dirty="0"/>
-              <a:t>Model Building: Split the dataset into training and testing sets.</a:t>
+              <a:t>.</a:t>
             </a:r>
             <a:endParaRPr lang="en-IN" dirty="0"/>
           </a:p>
@@ -3436,8 +3658,8 @@
         </p:nvSpPr>
         <p:spPr>
           <a:xfrm>
-            <a:off x="317573" y="841972"/>
-            <a:ext cx="7042894" cy="3501181"/>
+            <a:off x="707819" y="934369"/>
+            <a:ext cx="7042894" cy="5186035"/>
           </a:xfrm>
           <a:prstGeom prst="rect">
             <a:avLst/>
@@ -3455,11 +3677,21 @@
             </a:r>
             <a:r>
               <a:rPr lang="en-US" dirty="0"/>
-              <a:t>dataset includes various features related to mobile phones, such as:</a:t>
-            </a:r>
+              <a:t>dataset includes various features related to mobile phones, such as</a:t>
+            </a:r>
+            <a:r>
+              <a:rPr lang="en-US" dirty="0" smtClean="0"/>
+              <a:t>:</a:t>
+            </a:r>
+          </a:p>
+          <a:p>
+            <a:endParaRPr lang="en-US" sz="1600" dirty="0"/>
           </a:p>
           <a:p>
             <a:pPr>
+              <a:lnSpc>
+                <a:spcPct val="150000"/>
+              </a:lnSpc>
               <a:buFont typeface="Arial" panose="020B0604020202020204" pitchFamily="34" charset="0"/>
               <a:buChar char="•"/>
             </a:pPr>
@@ -3469,11 +3701,19 @@
             </a:r>
             <a:r>
               <a:rPr lang="en-US" dirty="0"/>
-              <a:t>: Phone model name</a:t>
-            </a:r>
+              <a:t>: Phone model </a:t>
+            </a:r>
+            <a:r>
+              <a:rPr lang="en-US" dirty="0" smtClean="0"/>
+              <a:t>name</a:t>
+            </a:r>
+            <a:endParaRPr lang="en-US" dirty="0"/>
           </a:p>
           <a:p>
             <a:pPr>
+              <a:lnSpc>
+                <a:spcPct val="150000"/>
+              </a:lnSpc>
               <a:buFont typeface="Arial" panose="020B0604020202020204" pitchFamily="34" charset="0"/>
               <a:buChar char="•"/>
             </a:pPr>
@@ -3483,11 +3723,19 @@
             </a:r>
             <a:r>
               <a:rPr lang="en-US" dirty="0"/>
-              <a:t>: Phone color</a:t>
-            </a:r>
+              <a:t>: Phone </a:t>
+            </a:r>
+            <a:r>
+              <a:rPr lang="en-US" dirty="0" smtClean="0"/>
+              <a:t>color</a:t>
+            </a:r>
+            <a:endParaRPr lang="en-US" dirty="0"/>
           </a:p>
           <a:p>
             <a:pPr>
+              <a:lnSpc>
+                <a:spcPct val="150000"/>
+              </a:lnSpc>
               <a:buFont typeface="Arial" panose="020B0604020202020204" pitchFamily="34" charset="0"/>
               <a:buChar char="•"/>
             </a:pPr>
@@ -3497,11 +3745,19 @@
             </a:r>
             <a:r>
               <a:rPr lang="en-US" dirty="0"/>
-              <a:t>: Storage capacity (in GB)</a:t>
-            </a:r>
+              <a:t>: Storage capacity (in GB</a:t>
+            </a:r>
+            <a:r>
+              <a:rPr lang="en-US" dirty="0" smtClean="0"/>
+              <a:t>)</a:t>
+            </a:r>
+            <a:endParaRPr lang="en-US" dirty="0"/>
           </a:p>
           <a:p>
             <a:pPr>
+              <a:lnSpc>
+                <a:spcPct val="150000"/>
+              </a:lnSpc>
               <a:buFont typeface="Arial" panose="020B0604020202020204" pitchFamily="34" charset="0"/>
               <a:buChar char="•"/>
             </a:pPr>
@@ -3511,11 +3767,19 @@
             </a:r>
             <a:r>
               <a:rPr lang="en-US" dirty="0"/>
-              <a:t>: RAM size (in GB)</a:t>
-            </a:r>
+              <a:t>: RAM size (in GB</a:t>
+            </a:r>
+            <a:r>
+              <a:rPr lang="en-US" dirty="0" smtClean="0"/>
+              <a:t>)</a:t>
+            </a:r>
+            <a:endParaRPr lang="en-US" dirty="0"/>
           </a:p>
           <a:p>
             <a:pPr>
+              <a:lnSpc>
+                <a:spcPct val="150000"/>
+              </a:lnSpc>
               <a:buFont typeface="Arial" panose="020B0604020202020204" pitchFamily="34" charset="0"/>
               <a:buChar char="•"/>
             </a:pPr>
@@ -3532,12 +3796,16 @@
               <a:t>mAh</a:t>
             </a:r>
             <a:r>
-              <a:rPr lang="en-US" dirty="0"/>
+              <a:rPr lang="en-US" dirty="0" smtClean="0"/>
               <a:t>)</a:t>
             </a:r>
+            <a:endParaRPr lang="en-US" dirty="0"/>
           </a:p>
           <a:p>
             <a:pPr>
+              <a:lnSpc>
+                <a:spcPct val="150000"/>
+              </a:lnSpc>
               <a:buFont typeface="Arial" panose="020B0604020202020204" pitchFamily="34" charset="0"/>
               <a:buChar char="•"/>
             </a:pPr>
@@ -3547,11 +3815,19 @@
             </a:r>
             <a:r>
               <a:rPr lang="en-US" dirty="0"/>
-              <a:t>: Rear camera resolution</a:t>
-            </a:r>
+              <a:t>: Rear camera </a:t>
+            </a:r>
+            <a:r>
+              <a:rPr lang="en-US" dirty="0" smtClean="0"/>
+              <a:t>resolution</a:t>
+            </a:r>
+            <a:endParaRPr lang="en-US" dirty="0"/>
           </a:p>
           <a:p>
             <a:pPr>
+              <a:lnSpc>
+                <a:spcPct val="150000"/>
+              </a:lnSpc>
               <a:buFont typeface="Arial" panose="020B0604020202020204" pitchFamily="34" charset="0"/>
               <a:buChar char="•"/>
             </a:pPr>
@@ -3561,11 +3837,19 @@
             </a:r>
             <a:r>
               <a:rPr lang="en-US" dirty="0"/>
-              <a:t>: Front camera resolution</a:t>
-            </a:r>
+              <a:t>: Front camera </a:t>
+            </a:r>
+            <a:r>
+              <a:rPr lang="en-US" dirty="0" smtClean="0"/>
+              <a:t>resolution</a:t>
+            </a:r>
+            <a:endParaRPr lang="en-US" dirty="0"/>
           </a:p>
           <a:p>
             <a:pPr>
+              <a:lnSpc>
+                <a:spcPct val="150000"/>
+              </a:lnSpc>
               <a:buFont typeface="Arial" panose="020B0604020202020204" pitchFamily="34" charset="0"/>
               <a:buChar char="•"/>
             </a:pPr>
@@ -3575,11 +3859,19 @@
             </a:r>
             <a:r>
               <a:rPr lang="en-US" dirty="0"/>
-              <a:t>: Whether the phone has an AI lens</a:t>
-            </a:r>
+              <a:t>: Whether the phone has an AI </a:t>
+            </a:r>
+            <a:r>
+              <a:rPr lang="en-US" dirty="0" smtClean="0"/>
+              <a:t>lens</a:t>
+            </a:r>
+            <a:endParaRPr lang="en-US" dirty="0"/>
           </a:p>
           <a:p>
             <a:pPr>
+              <a:lnSpc>
+                <a:spcPct val="150000"/>
+              </a:lnSpc>
               <a:buFont typeface="Arial" panose="020B0604020202020204" pitchFamily="34" charset="0"/>
               <a:buChar char="•"/>
             </a:pPr>
@@ -3589,11 +3881,19 @@
             </a:r>
             <a:r>
               <a:rPr lang="en-US" dirty="0"/>
-              <a:t>: Phone height (in cm)</a:t>
-            </a:r>
+              <a:t>: Phone height (in cm</a:t>
+            </a:r>
+            <a:r>
+              <a:rPr lang="en-US" dirty="0" smtClean="0"/>
+              <a:t>)</a:t>
+            </a:r>
+            <a:endParaRPr lang="en-US" dirty="0"/>
           </a:p>
           <a:p>
             <a:pPr>
+              <a:lnSpc>
+                <a:spcPct val="150000"/>
+              </a:lnSpc>
               <a:buFont typeface="Arial" panose="020B0604020202020204" pitchFamily="34" charset="0"/>
               <a:buChar char="•"/>
             </a:pPr>
@@ -3603,11 +3903,19 @@
             </a:r>
             <a:r>
               <a:rPr lang="en-US" dirty="0"/>
-              <a:t>: Type of processor</a:t>
-            </a:r>
+              <a:t>: Type of </a:t>
+            </a:r>
+            <a:r>
+              <a:rPr lang="en-US" dirty="0" smtClean="0"/>
+              <a:t>processor</a:t>
+            </a:r>
+            <a:endParaRPr lang="en-US" dirty="0"/>
           </a:p>
           <a:p>
             <a:pPr>
+              <a:lnSpc>
+                <a:spcPct val="150000"/>
+              </a:lnSpc>
               <a:buFont typeface="Arial" panose="020B0604020202020204" pitchFamily="34" charset="0"/>
               <a:buChar char="•"/>
             </a:pPr>
@@ -3617,7 +3925,11 @@
             </a:r>
             <a:r>
               <a:rPr lang="en-US" dirty="0"/>
-              <a:t>: Price of the phone (target variable)</a:t>
+              <a:t>: Price of the phone (target variable</a:t>
+            </a:r>
+            <a:r>
+              <a:rPr lang="en-US" sz="1600" dirty="0"/>
+              <a:t>)</a:t>
             </a:r>
           </a:p>
         </p:txBody>
@@ -3673,6 +3985,60 @@
       </p:grpSpPr>
       <p:sp>
         <p:nvSpPr>
+          <p:cNvPr id="5" name="Rectangle 4"/>
+          <p:cNvSpPr/>
+          <p:nvPr/>
+        </p:nvSpPr>
+        <p:spPr>
+          <a:xfrm>
+            <a:off x="199176" y="171044"/>
+            <a:ext cx="11688024" cy="6545655"/>
+          </a:xfrm>
+          <a:prstGeom prst="rect">
+            <a:avLst/>
+          </a:prstGeom>
+          <a:solidFill>
+            <a:schemeClr val="accent3">
+              <a:lumMod val="20000"/>
+              <a:lumOff val="80000"/>
+              <a:alpha val="47000"/>
+            </a:schemeClr>
+          </a:solidFill>
+          <a:ln w="44450">
+            <a:solidFill>
+              <a:schemeClr val="accent2">
+                <a:lumMod val="50000"/>
+              </a:schemeClr>
+            </a:solidFill>
+          </a:ln>
+        </p:spPr>
+        <p:style>
+          <a:lnRef idx="2">
+            <a:schemeClr val="accent1">
+              <a:shade val="50000"/>
+            </a:schemeClr>
+          </a:lnRef>
+          <a:fillRef idx="1">
+            <a:schemeClr val="accent1"/>
+          </a:fillRef>
+          <a:effectRef idx="0">
+            <a:schemeClr val="accent1"/>
+          </a:effectRef>
+          <a:fontRef idx="minor">
+            <a:schemeClr val="lt1"/>
+          </a:fontRef>
+        </p:style>
+        <p:txBody>
+          <a:bodyPr rtlCol="0" anchor="ctr"/>
+          <a:lstStyle/>
+          <a:p>
+            <a:pPr algn="ctr"/>
+            <a:endParaRPr lang="en-IN" dirty="0"/>
+          </a:p>
+        </p:txBody>
+      </p:sp>
+      <p:sp>
+        <p:nvSpPr>
           <p:cNvPr id="8" name="TextBox 7"/>
           <p:cNvSpPr txBox="1"/>
           <p:nvPr/>
@@ -3711,8 +4077,8 @@
         </p:nvSpPr>
         <p:spPr bwMode="auto">
           <a:xfrm>
-            <a:off x="0" y="604168"/>
-            <a:ext cx="10004079" cy="1477328"/>
+            <a:off x="73890" y="234041"/>
+            <a:ext cx="10972800" cy="1754326"/>
           </a:xfrm>
           <a:prstGeom prst="rect">
             <a:avLst/>
@@ -3796,24 +4162,38 @@
             </a:r>
           </a:p>
           <a:p>
-            <a:pPr marL="0" marR="0" lvl="0" indent="0" defTabSz="914400" rtl="0" eaLnBrk="0" fontAlgn="base" latinLnBrk="0" hangingPunct="0">
-              <a:lnSpc>
-                <a:spcPct val="100000"/>
-              </a:lnSpc>
+            <a:pPr lvl="1" eaLnBrk="0" fontAlgn="base" hangingPunct="0">
               <a:spcBef>
                 <a:spcPct val="0"/>
               </a:spcBef>
               <a:spcAft>
                 <a:spcPct val="0"/>
               </a:spcAft>
-              <a:buClrTx/>
-              <a:buSzTx/>
-              <a:buFontTx/>
-              <a:buChar char="•"/>
-              <a:tabLst/>
             </a:pPr>
-            <a:r>
-              <a:rPr kumimoji="0" lang="en-US" sz="1800" b="1" i="0" u="none" strike="noStrike" cap="none" normalizeH="0" baseline="0" dirty="0" smtClean="0">
+            <a:endParaRPr kumimoji="0" lang="en-US" b="0" i="0" u="none" strike="noStrike" cap="none" normalizeH="0" baseline="0" dirty="0" smtClean="0">
+              <a:ln>
+                <a:noFill/>
+              </a:ln>
+              <a:solidFill>
+                <a:schemeClr val="tx1"/>
+              </a:solidFill>
+              <a:effectLst/>
+              <a:latin typeface="Arial" panose="020B0604020202020204" pitchFamily="34" charset="0"/>
+            </a:endParaRPr>
+          </a:p>
+          <a:p>
+            <a:pPr marL="742950" lvl="1" indent="-285750" eaLnBrk="0" fontAlgn="base" hangingPunct="0">
+              <a:spcBef>
+                <a:spcPct val="0"/>
+              </a:spcBef>
+              <a:spcAft>
+                <a:spcPct val="0"/>
+              </a:spcAft>
+              <a:buFont typeface="Wingdings" panose="05000000000000000000" pitchFamily="2" charset="2"/>
+              <a:buChar char="ü"/>
+            </a:pPr>
+            <a:r>
+              <a:rPr kumimoji="0" lang="en-US" b="1" i="0" u="none" strike="noStrike" cap="none" normalizeH="0" baseline="0" dirty="0" smtClean="0">
                 <a:ln>
                   <a:noFill/>
                 </a:ln>
@@ -3826,7 +4206,7 @@
               <a:t>Feature Selection</a:t>
             </a:r>
             <a:r>
-              <a:rPr kumimoji="0" lang="en-US" sz="1800" b="0" i="0" u="none" strike="noStrike" cap="none" normalizeH="0" baseline="0" dirty="0" smtClean="0">
+              <a:rPr kumimoji="0" lang="en-US" b="0" i="0" u="none" strike="noStrike" cap="none" normalizeH="0" baseline="0" dirty="0" smtClean="0">
                 <a:ln>
                   <a:noFill/>
                 </a:ln>
@@ -3840,24 +4220,40 @@
             </a:r>
           </a:p>
           <a:p>
-            <a:pPr marL="0" marR="0" lvl="0" indent="0" defTabSz="914400" rtl="0" eaLnBrk="0" fontAlgn="base" latinLnBrk="0" hangingPunct="0">
-              <a:lnSpc>
-                <a:spcPct val="100000"/>
-              </a:lnSpc>
+            <a:pPr marL="742950" lvl="1" indent="-285750" eaLnBrk="0" fontAlgn="base" hangingPunct="0">
               <a:spcBef>
                 <a:spcPct val="0"/>
               </a:spcBef>
               <a:spcAft>
                 <a:spcPct val="0"/>
               </a:spcAft>
-              <a:buClrTx/>
-              <a:buSzTx/>
-              <a:buFontTx/>
-              <a:buChar char="•"/>
-              <a:tabLst/>
+              <a:buFont typeface="Wingdings" panose="05000000000000000000" pitchFamily="2" charset="2"/>
+              <a:buChar char="ü"/>
             </a:pPr>
-            <a:r>
-              <a:rPr kumimoji="0" lang="en-US" sz="1800" b="1" i="0" u="none" strike="noStrike" cap="none" normalizeH="0" baseline="0" dirty="0" smtClean="0">
+            <a:endParaRPr kumimoji="0" lang="en-US" b="0" i="0" u="none" strike="noStrike" cap="none" normalizeH="0" baseline="0" dirty="0" smtClean="0">
+              <a:ln>
+                <a:noFill/>
+              </a:ln>
+              <a:solidFill>
+                <a:schemeClr val="tx1"/>
+              </a:solidFill>
+              <a:effectLst/>
+              <a:latin typeface="Arial" panose="020B0604020202020204" pitchFamily="34" charset="0"/>
+            </a:endParaRPr>
+          </a:p>
+          <a:p>
+            <a:pPr marL="742950" lvl="1" indent="-285750" eaLnBrk="0" fontAlgn="base" hangingPunct="0">
+              <a:spcBef>
+                <a:spcPct val="0"/>
+              </a:spcBef>
+              <a:spcAft>
+                <a:spcPct val="0"/>
+              </a:spcAft>
+              <a:buFont typeface="Wingdings" panose="05000000000000000000" pitchFamily="2" charset="2"/>
+              <a:buChar char="ü"/>
+            </a:pPr>
+            <a:r>
+              <a:rPr kumimoji="0" lang="en-US" b="1" i="0" u="none" strike="noStrike" cap="none" normalizeH="0" baseline="0" dirty="0" smtClean="0">
                 <a:ln>
                   <a:noFill/>
                 </a:ln>
@@ -3870,7 +4266,7 @@
               <a:t>Model Training</a:t>
             </a:r>
             <a:r>
-              <a:rPr kumimoji="0" lang="en-US" sz="1800" b="0" i="0" u="none" strike="noStrike" cap="none" normalizeH="0" baseline="0" dirty="0" smtClean="0">
+              <a:rPr kumimoji="0" lang="en-US" b="0" i="0" u="none" strike="noStrike" cap="none" normalizeH="0" baseline="0" dirty="0" smtClean="0">
                 <a:ln>
                   <a:noFill/>
                 </a:ln>
@@ -3901,8 +4297,8 @@
         </p:blipFill>
         <p:spPr>
           <a:xfrm>
-            <a:off x="597528" y="2081496"/>
-            <a:ext cx="7939889" cy="4527534"/>
+            <a:off x="811382" y="2051822"/>
+            <a:ext cx="9497817" cy="4527534"/>
           </a:xfrm>
           <a:prstGeom prst="rect">
             <a:avLst/>
@@ -3960,6 +4356,60 @@
       </p:grpSpPr>
       <p:sp>
         <p:nvSpPr>
+          <p:cNvPr id="6" name="Rectangle 5"/>
+          <p:cNvSpPr/>
+          <p:nvPr/>
+        </p:nvSpPr>
+        <p:spPr>
+          <a:xfrm>
+            <a:off x="199176" y="171044"/>
+            <a:ext cx="11688024" cy="6545655"/>
+          </a:xfrm>
+          <a:prstGeom prst="rect">
+            <a:avLst/>
+          </a:prstGeom>
+          <a:solidFill>
+            <a:schemeClr val="accent3">
+              <a:lumMod val="20000"/>
+              <a:lumOff val="80000"/>
+              <a:alpha val="47000"/>
+            </a:schemeClr>
+          </a:solidFill>
+          <a:ln w="44450">
+            <a:solidFill>
+              <a:schemeClr val="accent2">
+                <a:lumMod val="50000"/>
+              </a:schemeClr>
+            </a:solidFill>
+          </a:ln>
+        </p:spPr>
+        <p:style>
+          <a:lnRef idx="2">
+            <a:schemeClr val="accent1">
+              <a:shade val="50000"/>
+            </a:schemeClr>
+          </a:lnRef>
+          <a:fillRef idx="1">
+            <a:schemeClr val="accent1"/>
+          </a:fillRef>
+          <a:effectRef idx="0">
+            <a:schemeClr val="accent1"/>
+          </a:effectRef>
+          <a:fontRef idx="minor">
+            <a:schemeClr val="lt1"/>
+          </a:fontRef>
+        </p:style>
+        <p:txBody>
+          <a:bodyPr rtlCol="0" anchor="ctr"/>
+          <a:lstStyle/>
+          <a:p>
+            <a:pPr algn="ctr"/>
+            <a:endParaRPr lang="en-IN" dirty="0"/>
+          </a:p>
+        </p:txBody>
+      </p:sp>
+      <p:sp>
+        <p:nvSpPr>
           <p:cNvPr id="8" name="TextBox 7"/>
           <p:cNvSpPr txBox="1"/>
           <p:nvPr/>
@@ -4115,7 +4565,7 @@
         </p:blipFill>
         <p:spPr>
           <a:xfrm>
-            <a:off x="461726" y="2142054"/>
+            <a:off x="2439909" y="1930139"/>
             <a:ext cx="7206557" cy="4595658"/>
           </a:xfrm>
           <a:prstGeom prst="rect">
@@ -4174,6 +4624,60 @@
       </p:grpSpPr>
       <p:sp>
         <p:nvSpPr>
+          <p:cNvPr id="4" name="Rectangle 3"/>
+          <p:cNvSpPr/>
+          <p:nvPr/>
+        </p:nvSpPr>
+        <p:spPr>
+          <a:xfrm>
+            <a:off x="254594" y="152571"/>
+            <a:ext cx="11688024" cy="6545655"/>
+          </a:xfrm>
+          <a:prstGeom prst="rect">
+            <a:avLst/>
+          </a:prstGeom>
+          <a:solidFill>
+            <a:schemeClr val="accent3">
+              <a:lumMod val="20000"/>
+              <a:lumOff val="80000"/>
+              <a:alpha val="47000"/>
+            </a:schemeClr>
+          </a:solidFill>
+          <a:ln w="44450">
+            <a:solidFill>
+              <a:schemeClr val="accent2">
+                <a:lumMod val="50000"/>
+              </a:schemeClr>
+            </a:solidFill>
+          </a:ln>
+        </p:spPr>
+        <p:style>
+          <a:lnRef idx="2">
+            <a:schemeClr val="accent1">
+              <a:shade val="50000"/>
+            </a:schemeClr>
+          </a:lnRef>
+          <a:fillRef idx="1">
+            <a:schemeClr val="accent1"/>
+          </a:fillRef>
+          <a:effectRef idx="0">
+            <a:schemeClr val="accent1"/>
+          </a:effectRef>
+          <a:fontRef idx="minor">
+            <a:schemeClr val="lt1"/>
+          </a:fontRef>
+        </p:style>
+        <p:txBody>
+          <a:bodyPr rtlCol="0" anchor="ctr"/>
+          <a:lstStyle/>
+          <a:p>
+            <a:pPr algn="ctr"/>
+            <a:endParaRPr lang="en-IN" dirty="0"/>
+          </a:p>
+        </p:txBody>
+      </p:sp>
+      <p:sp>
+        <p:nvSpPr>
           <p:cNvPr id="8" name="TextBox 7"/>
           <p:cNvSpPr txBox="1"/>
           <p:nvPr/>
@@ -4210,8 +4714,8 @@
         </p:nvSpPr>
         <p:spPr>
           <a:xfrm>
-            <a:off x="108642" y="783771"/>
-            <a:ext cx="10891318" cy="4801314"/>
+            <a:off x="652947" y="1134813"/>
+            <a:ext cx="10891318" cy="4524315"/>
           </a:xfrm>
           <a:prstGeom prst="rect">
             <a:avLst/>
@@ -4224,7 +4728,7 @@
           <a:lstStyle/>
           <a:p>
             <a:r>
-              <a:rPr lang="en-US" dirty="0" smtClean="0"/>
+              <a:rPr lang="en-US" b="1" dirty="0" smtClean="0"/>
               <a:t>Challenges We Faced:</a:t>
             </a:r>
           </a:p>
@@ -4232,37 +4736,44 @@
             <a:endParaRPr lang="en-US" dirty="0"/>
           </a:p>
           <a:p>
+            <a:pPr marL="285750" indent="-285750">
+              <a:lnSpc>
+                <a:spcPct val="200000"/>
+              </a:lnSpc>
+              <a:buFont typeface="Wingdings" panose="05000000000000000000" pitchFamily="2" charset="2"/>
+              <a:buChar char="Ø"/>
+            </a:pPr>
             <a:r>
               <a:rPr lang="en-US" dirty="0" smtClean="0"/>
               <a:t>Faced some challenge while handling mismatch values in few columns.</a:t>
             </a:r>
           </a:p>
           <a:p>
+            <a:pPr marL="285750" indent="-285750">
+              <a:lnSpc>
+                <a:spcPct val="200000"/>
+              </a:lnSpc>
+              <a:buFont typeface="Wingdings" panose="05000000000000000000" pitchFamily="2" charset="2"/>
+              <a:buChar char="Ø"/>
+            </a:pPr>
             <a:r>
               <a:rPr lang="en-US" dirty="0" smtClean="0"/>
               <a:t>Felt little challenging when I start working on different algorithms and its metrics and also choosing quite number of algorithms to work upon.</a:t>
             </a:r>
-          </a:p>
-          <a:p>
             <a:endParaRPr lang="en-US" dirty="0"/>
           </a:p>
           <a:p>
+            <a:pPr marL="285750" indent="-285750">
+              <a:lnSpc>
+                <a:spcPct val="200000"/>
+              </a:lnSpc>
+              <a:buFont typeface="Wingdings" panose="05000000000000000000" pitchFamily="2" charset="2"/>
+              <a:buChar char="Ø"/>
+            </a:pPr>
             <a:r>
               <a:rPr lang="en-US" dirty="0" smtClean="0"/>
               <a:t>Deciding about the best model for prediction.</a:t>
             </a:r>
-            <a:endParaRPr lang="en-US" dirty="0"/>
-          </a:p>
-          <a:p>
-            <a:endParaRPr lang="en-US" dirty="0" smtClean="0"/>
-          </a:p>
-          <a:p>
-            <a:endParaRPr lang="en-US" dirty="0"/>
-          </a:p>
-          <a:p>
-            <a:endParaRPr lang="en-US" dirty="0" smtClean="0"/>
-          </a:p>
-          <a:p>
             <a:endParaRPr lang="en-US" dirty="0"/>
           </a:p>
           <a:p>
@@ -4336,6 +4847,60 @@
       </p:grpSpPr>
       <p:sp>
         <p:nvSpPr>
+          <p:cNvPr id="4" name="Rectangle 3"/>
+          <p:cNvSpPr/>
+          <p:nvPr/>
+        </p:nvSpPr>
+        <p:spPr>
+          <a:xfrm>
+            <a:off x="254594" y="134099"/>
+            <a:ext cx="11688024" cy="6545655"/>
+          </a:xfrm>
+          <a:prstGeom prst="rect">
+            <a:avLst/>
+          </a:prstGeom>
+          <a:solidFill>
+            <a:schemeClr val="accent3">
+              <a:lumMod val="20000"/>
+              <a:lumOff val="80000"/>
+              <a:alpha val="47000"/>
+            </a:schemeClr>
+          </a:solidFill>
+          <a:ln w="44450">
+            <a:solidFill>
+              <a:schemeClr val="accent2">
+                <a:lumMod val="50000"/>
+              </a:schemeClr>
+            </a:solidFill>
+          </a:ln>
+        </p:spPr>
+        <p:style>
+          <a:lnRef idx="2">
+            <a:schemeClr val="accent1">
+              <a:shade val="50000"/>
+            </a:schemeClr>
+          </a:lnRef>
+          <a:fillRef idx="1">
+            <a:schemeClr val="accent1"/>
+          </a:fillRef>
+          <a:effectRef idx="0">
+            <a:schemeClr val="accent1"/>
+          </a:effectRef>
+          <a:fontRef idx="minor">
+            <a:schemeClr val="lt1"/>
+          </a:fontRef>
+        </p:style>
+        <p:txBody>
+          <a:bodyPr rtlCol="0" anchor="ctr"/>
+          <a:lstStyle/>
+          <a:p>
+            <a:pPr algn="ctr"/>
+            <a:endParaRPr lang="en-IN" dirty="0"/>
+          </a:p>
+        </p:txBody>
+      </p:sp>
+      <p:sp>
+        <p:nvSpPr>
           <p:cNvPr id="8" name="TextBox 7"/>
           <p:cNvSpPr txBox="1"/>
           <p:nvPr/>
@@ -4372,8 +4937,8 @@
         </p:nvSpPr>
         <p:spPr>
           <a:xfrm>
-            <a:off x="108642" y="783771"/>
-            <a:ext cx="10891318" cy="6463308"/>
+            <a:off x="652947" y="599044"/>
+            <a:ext cx="10891318" cy="5078313"/>
           </a:xfrm>
           <a:prstGeom prst="rect">
             <a:avLst/>
@@ -4387,16 +4952,25 @@
           <a:p>
             <a:r>
               <a:rPr lang="en-US" b="1" dirty="0"/>
-              <a:t>Insights from Feature Importance Analysis and Model Evaluation</a:t>
-            </a:r>
-          </a:p>
-          <a:p>
+              <a:t>Insights from Feature Importance Analysis and Model </a:t>
+            </a:r>
+            <a:r>
+              <a:rPr lang="en-US" b="1" dirty="0" smtClean="0"/>
+              <a:t>Evaluation</a:t>
+            </a:r>
+          </a:p>
+          <a:p>
+            <a:endParaRPr lang="en-US" b="1" dirty="0"/>
+          </a:p>
+          <a:p>
+            <a:pPr algn="just"/>
             <a:r>
               <a:rPr lang="en-US" b="1" dirty="0"/>
               <a:t>1. Key Features Impacting Mobile Phone Prices</a:t>
             </a:r>
           </a:p>
           <a:p>
+            <a:pPr algn="just"/>
             <a:r>
               <a:rPr lang="en-US" dirty="0"/>
               <a:t>Using the Random Forest model, we identified the </a:t>
@@ -4407,20 +4981,38 @@
             </a:r>
             <a:r>
               <a:rPr lang="en-US" dirty="0"/>
-              <a:t> affecting mobile phone prices. These features contribute significantly to predicting price variations:</a:t>
-            </a:r>
-          </a:p>
-          <a:p>
+              <a:t> affecting mobile phone prices. These features contribute significantly to predicting price variations</a:t>
+            </a:r>
+            <a:r>
+              <a:rPr lang="en-US" dirty="0" smtClean="0"/>
+              <a:t>:</a:t>
+            </a:r>
+          </a:p>
+          <a:p>
+            <a:pPr algn="just"/>
+            <a:endParaRPr lang="en-US" dirty="0"/>
+          </a:p>
+          <a:p>
+            <a:pPr algn="just"/>
             <a:r>
               <a:rPr lang="en-US" b="1" dirty="0"/>
               <a:t>RAM &amp; Memory</a:t>
             </a:r>
             <a:r>
               <a:rPr lang="en-US" dirty="0"/>
-              <a:t>: Higher RAM and storage typically increase the price due to better performance and multitasking capabilities.</a:t>
-            </a:r>
-          </a:p>
-          <a:p>
+              <a:t>: Higher RAM and storage typically increase the price due to better performance and multitasking capabilities</a:t>
+            </a:r>
+            <a:r>
+              <a:rPr lang="en-US" dirty="0" smtClean="0"/>
+              <a:t>.</a:t>
+            </a:r>
+          </a:p>
+          <a:p>
+            <a:pPr algn="just"/>
+            <a:endParaRPr lang="en-US" dirty="0"/>
+          </a:p>
+          <a:p>
+            <a:pPr algn="just"/>
             <a:r>
               <a:rPr lang="en-US" b="1" dirty="0"/>
               <a:t>Battery Capacity</a:t>
@@ -4431,16 +5023,26 @@
             </a:r>
           </a:p>
           <a:p>
+            <a:pPr algn="just"/>
             <a:r>
               <a:rPr lang="en-US" b="1" dirty="0"/>
               <a:t>Rear &amp; Front Camera</a:t>
             </a:r>
             <a:r>
               <a:rPr lang="en-US" dirty="0"/>
-              <a:t>: Higher camera resolutions tend to increase the price, aligning with consumer demand for better photography capabilities.</a:t>
-            </a:r>
-          </a:p>
-          <a:p>
+              <a:t>: Higher camera resolutions tend to increase the price, aligning with consumer demand for better photography capabilities</a:t>
+            </a:r>
+            <a:r>
+              <a:rPr lang="en-US" dirty="0" smtClean="0"/>
+              <a:t>.</a:t>
+            </a:r>
+          </a:p>
+          <a:p>
+            <a:pPr algn="just"/>
+            <a:endParaRPr lang="en-US" dirty="0"/>
+          </a:p>
+          <a:p>
+            <a:pPr algn="just"/>
             <a:r>
               <a:rPr lang="en-US" b="1" dirty="0"/>
               <a:t>Mobile Height</a:t>
@@ -4451,6 +5053,7 @@
             </a:r>
           </a:p>
           <a:p>
+            <a:pPr algn="just"/>
             <a:r>
               <a:rPr lang="en-US" b="1" dirty="0"/>
               <a:t>Processor Type</a:t>
@@ -4463,32 +5066,6 @@
               <a:rPr lang="en-US" dirty="0" smtClean="0"/>
               <a:t>.</a:t>
             </a:r>
-          </a:p>
-          <a:p>
-            <a:endParaRPr lang="en-US" dirty="0"/>
-          </a:p>
-          <a:p>
-            <a:endParaRPr lang="en-US" dirty="0" smtClean="0"/>
-          </a:p>
-          <a:p>
-            <a:endParaRPr lang="en-US" dirty="0"/>
-          </a:p>
-          <a:p>
-            <a:endParaRPr lang="en-US" dirty="0" smtClean="0"/>
-          </a:p>
-          <a:p>
-            <a:endParaRPr lang="en-US" dirty="0"/>
-          </a:p>
-          <a:p>
-            <a:endParaRPr lang="en-US" dirty="0" smtClean="0"/>
-          </a:p>
-          <a:p>
-            <a:endParaRPr lang="en-US" dirty="0"/>
-          </a:p>
-          <a:p>
-            <a:endParaRPr lang="en-US" dirty="0" smtClean="0"/>
-          </a:p>
-          <a:p>
             <a:endParaRPr lang="en-US" dirty="0"/>
           </a:p>
           <a:p>
@@ -4580,14 +5157,68 @@
       </p:sp>
       <p:sp>
         <p:nvSpPr>
+          <p:cNvPr id="4" name="Rectangle 3"/>
+          <p:cNvSpPr/>
+          <p:nvPr/>
+        </p:nvSpPr>
+        <p:spPr>
+          <a:xfrm>
+            <a:off x="218840" y="134099"/>
+            <a:ext cx="11688024" cy="6545655"/>
+          </a:xfrm>
+          <a:prstGeom prst="rect">
+            <a:avLst/>
+          </a:prstGeom>
+          <a:solidFill>
+            <a:schemeClr val="accent3">
+              <a:lumMod val="20000"/>
+              <a:lumOff val="80000"/>
+              <a:alpha val="47000"/>
+            </a:schemeClr>
+          </a:solidFill>
+          <a:ln w="44450">
+            <a:solidFill>
+              <a:schemeClr val="accent2">
+                <a:lumMod val="50000"/>
+              </a:schemeClr>
+            </a:solidFill>
+          </a:ln>
+        </p:spPr>
+        <p:style>
+          <a:lnRef idx="2">
+            <a:schemeClr val="accent1">
+              <a:shade val="50000"/>
+            </a:schemeClr>
+          </a:lnRef>
+          <a:fillRef idx="1">
+            <a:schemeClr val="accent1"/>
+          </a:fillRef>
+          <a:effectRef idx="0">
+            <a:schemeClr val="accent1"/>
+          </a:effectRef>
+          <a:fontRef idx="minor">
+            <a:schemeClr val="lt1"/>
+          </a:fontRef>
+        </p:style>
+        <p:txBody>
+          <a:bodyPr rtlCol="0" anchor="ctr"/>
+          <a:lstStyle/>
+          <a:p>
+            <a:pPr algn="ctr"/>
+            <a:endParaRPr lang="en-IN" dirty="0"/>
+          </a:p>
+        </p:txBody>
+      </p:sp>
+      <p:sp>
+        <p:nvSpPr>
           <p:cNvPr id="5" name="Rectangle 4"/>
           <p:cNvSpPr/>
           <p:nvPr/>
         </p:nvSpPr>
         <p:spPr>
           <a:xfrm>
-            <a:off x="218840" y="733331"/>
-            <a:ext cx="11107045" cy="3416320"/>
+            <a:off x="509329" y="798519"/>
+            <a:ext cx="11107045" cy="5216813"/>
           </a:xfrm>
           <a:prstGeom prst="rect">
             <a:avLst/>
@@ -4601,10 +5232,22 @@
           <a:p>
             <a:r>
               <a:rPr lang="en-US" b="1" dirty="0"/>
-              <a:t>2. Model Performance Insights</a:t>
-            </a:r>
-          </a:p>
-          <a:p>
+              <a:t>2. Model Performance </a:t>
+            </a:r>
+            <a:r>
+              <a:rPr lang="en-US" b="1" dirty="0" smtClean="0"/>
+              <a:t>Insights</a:t>
+            </a:r>
+          </a:p>
+          <a:p>
+            <a:endParaRPr lang="en-US" b="1" dirty="0"/>
+          </a:p>
+          <a:p>
+            <a:pPr>
+              <a:lnSpc>
+                <a:spcPct val="150000"/>
+              </a:lnSpc>
+            </a:pPr>
             <a:r>
               <a:rPr lang="en-US" dirty="0"/>
               <a:t>We evaluated multiple models—</a:t>
@@ -4627,6 +5270,11 @@
             </a:r>
           </a:p>
           <a:p>
+            <a:pPr>
+              <a:lnSpc>
+                <a:spcPct val="150000"/>
+              </a:lnSpc>
+            </a:pPr>
             <a:r>
               <a:rPr lang="en-US" b="1" dirty="0"/>
               <a:t>Random Forest and Gradient Boosting performed the best</a:t>
@@ -4637,6 +5285,11 @@
             </a:r>
           </a:p>
           <a:p>
+            <a:pPr>
+              <a:lnSpc>
+                <a:spcPct val="150000"/>
+              </a:lnSpc>
+            </a:pPr>
             <a:r>
               <a:rPr lang="en-US" b="1" dirty="0"/>
               <a:t>Linear Regression had the lowest performance</a:t>
@@ -4647,6 +5300,11 @@
             </a:r>
           </a:p>
           <a:p>
+            <a:pPr>
+              <a:lnSpc>
+                <a:spcPct val="150000"/>
+              </a:lnSpc>
+            </a:pPr>
             <a:r>
               <a:rPr lang="en-US" b="1" dirty="0"/>
               <a:t>Decision Tree showed decent performance</a:t>
@@ -4665,12 +5323,22 @@
             </a:r>
           </a:p>
           <a:p>
+            <a:pPr>
+              <a:lnSpc>
+                <a:spcPct val="150000"/>
+              </a:lnSpc>
+            </a:pPr>
             <a:r>
               <a:rPr lang="en-US" b="1" dirty="0"/>
               <a:t>3. Feature Reduction Insights from PCA</a:t>
             </a:r>
           </a:p>
           <a:p>
+            <a:pPr>
+              <a:lnSpc>
+                <a:spcPct val="150000"/>
+              </a:lnSpc>
+            </a:pPr>
             <a:r>
               <a:rPr lang="en-US" dirty="0"/>
               <a:t>The </a:t>
@@ -4685,6 +5353,11 @@
             </a:r>
           </a:p>
           <a:p>
+            <a:pPr>
+              <a:lnSpc>
+                <a:spcPct val="150000"/>
+              </a:lnSpc>
+            </a:pPr>
             <a:r>
               <a:rPr lang="en-US" dirty="0"/>
               <a:t>This could help </a:t>
@@ -4751,6 +5424,60 @@
       </p:grpSpPr>
       <p:sp>
         <p:nvSpPr>
+          <p:cNvPr id="4" name="Rectangle 3"/>
+          <p:cNvSpPr/>
+          <p:nvPr/>
+        </p:nvSpPr>
+        <p:spPr>
+          <a:xfrm>
+            <a:off x="218840" y="134099"/>
+            <a:ext cx="11688024" cy="6545655"/>
+          </a:xfrm>
+          <a:prstGeom prst="rect">
+            <a:avLst/>
+          </a:prstGeom>
+          <a:solidFill>
+            <a:schemeClr val="accent3">
+              <a:lumMod val="20000"/>
+              <a:lumOff val="80000"/>
+              <a:alpha val="47000"/>
+            </a:schemeClr>
+          </a:solidFill>
+          <a:ln w="44450">
+            <a:solidFill>
+              <a:schemeClr val="accent2">
+                <a:lumMod val="50000"/>
+              </a:schemeClr>
+            </a:solidFill>
+          </a:ln>
+        </p:spPr>
+        <p:style>
+          <a:lnRef idx="2">
+            <a:schemeClr val="accent1">
+              <a:shade val="50000"/>
+            </a:schemeClr>
+          </a:lnRef>
+          <a:fillRef idx="1">
+            <a:schemeClr val="accent1"/>
+          </a:fillRef>
+          <a:effectRef idx="0">
+            <a:schemeClr val="accent1"/>
+          </a:effectRef>
+          <a:fontRef idx="minor">
+            <a:schemeClr val="lt1"/>
+          </a:fontRef>
+        </p:style>
+        <p:txBody>
+          <a:bodyPr rtlCol="0" anchor="ctr"/>
+          <a:lstStyle/>
+          <a:p>
+            <a:pPr algn="ctr"/>
+            <a:endParaRPr lang="en-IN" dirty="0"/>
+          </a:p>
+        </p:txBody>
+      </p:sp>
+      <p:sp>
+        <p:nvSpPr>
           <p:cNvPr id="8" name="TextBox 7"/>
           <p:cNvSpPr txBox="1"/>
           <p:nvPr/>
@@ -4787,8 +5514,8 @@
         </p:nvSpPr>
         <p:spPr>
           <a:xfrm>
-            <a:off x="218841" y="193316"/>
-            <a:ext cx="10853548" cy="2031325"/>
+            <a:off x="338914" y="350334"/>
+            <a:ext cx="10853548" cy="2862322"/>
           </a:xfrm>
           <a:prstGeom prst="rect">
             <a:avLst/>
@@ -4802,8 +5529,15 @@
           <a:p>
             <a:r>
               <a:rPr lang="en-US" b="1" dirty="0"/>
-              <a:t>4. Recommendations for Further Improvement</a:t>
-            </a:r>
+              <a:t>4. Recommendations for Further </a:t>
+            </a:r>
+            <a:r>
+              <a:rPr lang="en-US" b="1" dirty="0" smtClean="0"/>
+              <a:t>Improvement</a:t>
+            </a:r>
+          </a:p>
+          <a:p>
+            <a:endParaRPr lang="en-US" b="1" dirty="0"/>
           </a:p>
           <a:p>
             <a:r>
@@ -4816,8 +5550,15 @@
             </a:r>
             <a:r>
               <a:rPr lang="en-US" dirty="0"/>
-              <a:t> (e.g., adjusting the number of trees in Random Forest) could further optimize model performance.</a:t>
-            </a:r>
+              <a:t> (e.g., adjusting the number of trees in Random Forest) could further optimize model performance</a:t>
+            </a:r>
+            <a:r>
+              <a:rPr lang="en-US" dirty="0" smtClean="0"/>
+              <a:t>.</a:t>
+            </a:r>
+          </a:p>
+          <a:p>
+            <a:endParaRPr lang="en-US" dirty="0"/>
           </a:p>
           <a:p>
             <a:r>
@@ -4826,8 +5567,15 @@
             </a:r>
             <a:r>
               <a:rPr lang="en-US" dirty="0"/>
-              <a:t> (e.g., deriving new features from existing ones, like a "performance score" combining RAM and processor strength).</a:t>
-            </a:r>
+              <a:t> (e.g., deriving new features from existing ones, like a "performance score" combining RAM and processor strength</a:t>
+            </a:r>
+            <a:r>
+              <a:rPr lang="en-US" dirty="0" smtClean="0"/>
+              <a:t>).</a:t>
+            </a:r>
+          </a:p>
+          <a:p>
+            <a:endParaRPr lang="en-US" dirty="0"/>
           </a:p>
           <a:p>
             <a:r>
@@ -4892,6 +5640,60 @@
       </p:grpSpPr>
       <p:sp>
         <p:nvSpPr>
+          <p:cNvPr id="4" name="Rectangle 3"/>
+          <p:cNvSpPr/>
+          <p:nvPr/>
+        </p:nvSpPr>
+        <p:spPr>
+          <a:xfrm>
+            <a:off x="218840" y="134099"/>
+            <a:ext cx="11688024" cy="6545655"/>
+          </a:xfrm>
+          <a:prstGeom prst="rect">
+            <a:avLst/>
+          </a:prstGeom>
+          <a:solidFill>
+            <a:schemeClr val="accent3">
+              <a:lumMod val="20000"/>
+              <a:lumOff val="80000"/>
+              <a:alpha val="47000"/>
+            </a:schemeClr>
+          </a:solidFill>
+          <a:ln w="44450">
+            <a:solidFill>
+              <a:schemeClr val="accent2">
+                <a:lumMod val="50000"/>
+              </a:schemeClr>
+            </a:solidFill>
+          </a:ln>
+        </p:spPr>
+        <p:style>
+          <a:lnRef idx="2">
+            <a:schemeClr val="accent1">
+              <a:shade val="50000"/>
+            </a:schemeClr>
+          </a:lnRef>
+          <a:fillRef idx="1">
+            <a:schemeClr val="accent1"/>
+          </a:fillRef>
+          <a:effectRef idx="0">
+            <a:schemeClr val="accent1"/>
+          </a:effectRef>
+          <a:fontRef idx="minor">
+            <a:schemeClr val="lt1"/>
+          </a:fontRef>
+        </p:style>
+        <p:txBody>
+          <a:bodyPr rtlCol="0" anchor="ctr"/>
+          <a:lstStyle/>
+          <a:p>
+            <a:pPr algn="ctr"/>
+            <a:endParaRPr lang="en-IN" dirty="0"/>
+          </a:p>
+        </p:txBody>
+      </p:sp>
+      <p:sp>
+        <p:nvSpPr>
           <p:cNvPr id="8" name="TextBox 7"/>
           <p:cNvSpPr txBox="1"/>
           <p:nvPr/>
@@ -4922,30 +5724,66 @@
       </p:sp>
       <p:sp>
         <p:nvSpPr>
-          <p:cNvPr id="5" name="Rectangle 4"/>
+          <p:cNvPr id="2" name="Rectangle 1"/>
           <p:cNvSpPr/>
           <p:nvPr/>
         </p:nvSpPr>
         <p:spPr>
           <a:xfrm>
-            <a:off x="725834" y="1216358"/>
-            <a:ext cx="1300934" cy="369332"/>
+            <a:off x="3334327" y="2623127"/>
+            <a:ext cx="5750061" cy="2080338"/>
           </a:xfrm>
           <a:prstGeom prst="rect">
             <a:avLst/>
           </a:prstGeom>
-        </p:spPr>
-        <p:txBody>
-          <a:bodyPr wrap="none">
+          <a:noFill/>
+        </p:spPr>
+        <p:txBody>
+          <a:bodyPr wrap="none" lIns="91440" tIns="45720" rIns="91440" bIns="45720">
+            <a:prstTxWarp prst="textChevronInverted">
+              <a:avLst/>
+            </a:prstTxWarp>
             <a:spAutoFit/>
+            <a:scene3d>
+              <a:camera prst="orthographicFront"/>
+              <a:lightRig rig="soft" dir="t">
+                <a:rot lat="0" lon="0" rev="15600000"/>
+              </a:lightRig>
+            </a:scene3d>
+            <a:sp3d extrusionH="57150" prstMaterial="softEdge">
+              <a:bevelT w="25400" h="38100" prst="angle"/>
+            </a:sp3d>
           </a:bodyPr>
           <a:lstStyle/>
           <a:p>
-            <a:r>
-              <a:rPr lang="en-IN" dirty="0" smtClean="0"/>
+            <a:pPr algn="ctr"/>
+            <a:r>
+              <a:rPr lang="en-US" sz="5400" b="1" dirty="0" smtClean="0">
+                <a:ln w="22225">
+                  <a:solidFill>
+                    <a:schemeClr val="accent2"/>
+                  </a:solidFill>
+                  <a:prstDash val="solid"/>
+                </a:ln>
+                <a:solidFill>
+                  <a:schemeClr val="accent2">
+                    <a:lumMod val="60000"/>
+                    <a:lumOff val="40000"/>
+                  </a:schemeClr>
+                </a:solidFill>
+              </a:rPr>
               <a:t>THANK YOU</a:t>
             </a:r>
-            <a:endParaRPr lang="en-IN" dirty="0"/>
+            <a:endParaRPr lang="en-US" sz="5400" b="1" cap="none" spc="0" dirty="0">
+              <a:ln/>
+              <a:solidFill>
+                <a:schemeClr val="accent2">
+                  <a:lumMod val="60000"/>
+                  <a:lumOff val="40000"/>
+                </a:schemeClr>
+              </a:solidFill>
+              <a:effectLst/>
+            </a:endParaRPr>
           </a:p>
         </p:txBody>
       </p:sp>
@@ -5006,7 +5844,7 @@
         </p:nvSpPr>
         <p:spPr>
           <a:xfrm>
-            <a:off x="-371191" y="126748"/>
+            <a:off x="478554" y="200638"/>
             <a:ext cx="11312653" cy="6545655"/>
           </a:xfrm>
           <a:prstGeom prst="rect">
@@ -5060,8 +5898,8 @@
         </p:nvSpPr>
         <p:spPr>
           <a:xfrm>
-            <a:off x="1394235" y="380245"/>
-            <a:ext cx="8120958" cy="1200329"/>
+            <a:off x="1434974" y="629627"/>
+            <a:ext cx="8120958" cy="646331"/>
           </a:xfrm>
           <a:prstGeom prst="rect">
             <a:avLst/>
@@ -5074,14 +5912,8 @@
           </a:bodyPr>
           <a:lstStyle/>
           <a:p>
-            <a:endParaRPr lang="en-IN" dirty="0"/>
-          </a:p>
-          <a:p>
-            <a:endParaRPr lang="en-IN" dirty="0"/>
-          </a:p>
-          <a:p>
-            <a:r>
-              <a:rPr lang="en-US" sz="3600" dirty="0"/>
+            <a:r>
+              <a:rPr lang="en-US" sz="3600" dirty="0" smtClean="0"/>
               <a:t> </a:t>
             </a:r>
             <a:r>
@@ -5142,7 +5974,7 @@
         </p:nvSpPr>
         <p:spPr>
           <a:xfrm>
-            <a:off x="1023043" y="1969130"/>
+            <a:off x="941559" y="2126687"/>
             <a:ext cx="2553076" cy="400110"/>
           </a:xfrm>
           <a:prstGeom prst="rect">
@@ -5208,6 +6040,7 @@
           </a:bodyPr>
           <a:lstStyle/>
           <a:p>
+            <a:pPr algn="just"/>
             <a:r>
               <a:rPr lang="en-IN" dirty="0" smtClean="0"/>
               <a:t>Mobile prices are an important reflection of the Humans and some ranges are of great interest for both buyers and sellers. In the competitive mobile phone market, companies want to understand sales data of mobile phones and factors which drive the prices. Price estimation and prediction is an important part of consumer strategy. Deciding on the correct price of a product is very important part for the market success of a product. So the objective is to find out some relation between features of mobile phone and its selling price.</a:t>
@@ -5276,14 +6109,68 @@
       </p:grpSpPr>
       <p:sp>
         <p:nvSpPr>
+          <p:cNvPr id="4" name="Rectangle 3"/>
+          <p:cNvSpPr/>
+          <p:nvPr/>
+        </p:nvSpPr>
+        <p:spPr>
+          <a:xfrm>
+            <a:off x="320804" y="154455"/>
+            <a:ext cx="11312653" cy="6545655"/>
+          </a:xfrm>
+          <a:prstGeom prst="rect">
+            <a:avLst/>
+          </a:prstGeom>
+          <a:solidFill>
+            <a:schemeClr val="accent3">
+              <a:lumMod val="20000"/>
+              <a:lumOff val="80000"/>
+              <a:alpha val="47000"/>
+            </a:schemeClr>
+          </a:solidFill>
+          <a:ln w="44450">
+            <a:solidFill>
+              <a:schemeClr val="accent2">
+                <a:lumMod val="50000"/>
+              </a:schemeClr>
+            </a:solidFill>
+          </a:ln>
+        </p:spPr>
+        <p:style>
+          <a:lnRef idx="2">
+            <a:schemeClr val="accent1">
+              <a:shade val="50000"/>
+            </a:schemeClr>
+          </a:lnRef>
+          <a:fillRef idx="1">
+            <a:schemeClr val="accent1"/>
+          </a:fillRef>
+          <a:effectRef idx="0">
+            <a:schemeClr val="accent1"/>
+          </a:effectRef>
+          <a:fontRef idx="minor">
+            <a:schemeClr val="lt1"/>
+          </a:fontRef>
+        </p:style>
+        <p:txBody>
+          <a:bodyPr rtlCol="0" anchor="ctr"/>
+          <a:lstStyle/>
+          <a:p>
+            <a:pPr algn="ctr"/>
+            <a:endParaRPr lang="en-IN" dirty="0"/>
+          </a:p>
+        </p:txBody>
+      </p:sp>
+      <p:sp>
+        <p:nvSpPr>
           <p:cNvPr id="7" name="TextBox 6"/>
           <p:cNvSpPr txBox="1"/>
           <p:nvPr/>
         </p:nvSpPr>
         <p:spPr>
           <a:xfrm>
-            <a:off x="579422" y="461728"/>
-            <a:ext cx="4662534" cy="707886"/>
+            <a:off x="532012" y="2826237"/>
+            <a:ext cx="3678542" cy="707886"/>
           </a:xfrm>
           <a:prstGeom prst="rect">
             <a:avLst/>
@@ -5297,9 +6184,10 @@
           <a:lstStyle/>
           <a:p>
             <a:r>
-              <a:rPr lang="en-IN" sz="4000" dirty="0"/>
-              <a:t>Libraries Used</a:t>
-            </a:r>
+              <a:rPr lang="en-IN" sz="4000" b="1" dirty="0" smtClean="0"/>
+              <a:t>LIBRARIES USED</a:t>
+            </a:r>
+            <a:endParaRPr lang="en-IN" sz="4000" b="1" dirty="0"/>
           </a:p>
         </p:txBody>
       </p:sp>
@@ -5311,8 +6199,8 @@
         </p:nvSpPr>
         <p:spPr>
           <a:xfrm>
-            <a:off x="896293" y="1403287"/>
-            <a:ext cx="6953061" cy="1631216"/>
+            <a:off x="4929794" y="1671140"/>
+            <a:ext cx="6953061" cy="2785378"/>
           </a:xfrm>
           <a:prstGeom prst="rect">
             <a:avLst/>
@@ -5325,70 +6213,128 @@
           </a:bodyPr>
           <a:lstStyle/>
           <a:p>
-            <a:r>
-              <a:rPr lang="en-IN" sz="2000" dirty="0" smtClean="0"/>
+            <a:pPr marL="342900" indent="-342900">
+              <a:buFont typeface="Wingdings" panose="05000000000000000000" pitchFamily="2" charset="2"/>
+              <a:buChar char="Ø"/>
+            </a:pPr>
+            <a:r>
+              <a:rPr lang="en-IN" sz="2500" dirty="0" smtClean="0"/>
               <a:t>- Pandas – data handling</a:t>
             </a:r>
           </a:p>
           <a:p>
-            <a:r>
-              <a:rPr lang="en-IN" sz="2000" dirty="0" smtClean="0"/>
+            <a:pPr marL="342900" indent="-342900">
+              <a:buFont typeface="Wingdings" panose="05000000000000000000" pitchFamily="2" charset="2"/>
+              <a:buChar char="Ø"/>
+            </a:pPr>
+            <a:endParaRPr lang="en-IN" sz="2500" dirty="0" smtClean="0"/>
+          </a:p>
+          <a:p>
+            <a:pPr marL="342900" indent="-342900">
+              <a:buFont typeface="Wingdings" panose="05000000000000000000" pitchFamily="2" charset="2"/>
+              <a:buChar char="Ø"/>
+            </a:pPr>
+            <a:r>
+              <a:rPr lang="en-IN" sz="2500" dirty="0" smtClean="0"/>
               <a:t>- </a:t>
             </a:r>
             <a:r>
-              <a:rPr lang="en-IN" sz="2000" dirty="0" err="1" smtClean="0"/>
+              <a:rPr lang="en-IN" sz="2500" dirty="0" err="1" smtClean="0"/>
               <a:t>Numpy</a:t>
             </a:r>
             <a:r>
-              <a:rPr lang="en-IN" sz="2000" dirty="0" smtClean="0"/>
+              <a:rPr lang="en-IN" sz="2500" dirty="0" smtClean="0"/>
               <a:t> – numerical operations</a:t>
             </a:r>
           </a:p>
           <a:p>
-            <a:r>
-              <a:rPr lang="en-IN" sz="2000" dirty="0" smtClean="0"/>
+            <a:pPr marL="342900" indent="-342900">
+              <a:buFont typeface="Wingdings" panose="05000000000000000000" pitchFamily="2" charset="2"/>
+              <a:buChar char="Ø"/>
+            </a:pPr>
+            <a:endParaRPr lang="en-IN" sz="2500" dirty="0" smtClean="0"/>
+          </a:p>
+          <a:p>
+            <a:pPr marL="342900" indent="-342900">
+              <a:buFont typeface="Wingdings" panose="05000000000000000000" pitchFamily="2" charset="2"/>
+              <a:buChar char="Ø"/>
+            </a:pPr>
+            <a:r>
+              <a:rPr lang="en-IN" sz="2500" dirty="0" smtClean="0"/>
               <a:t>- </a:t>
             </a:r>
             <a:r>
-              <a:rPr lang="en-IN" sz="2000" dirty="0" err="1" smtClean="0"/>
+              <a:rPr lang="en-IN" sz="2500" dirty="0" err="1" smtClean="0"/>
               <a:t>Matplotlib</a:t>
             </a:r>
             <a:r>
-              <a:rPr lang="en-IN" sz="2000" dirty="0" smtClean="0"/>
+              <a:rPr lang="en-IN" sz="2500" dirty="0" smtClean="0"/>
               <a:t> &amp; </a:t>
             </a:r>
             <a:r>
-              <a:rPr lang="en-IN" sz="2000" dirty="0" err="1" smtClean="0"/>
+              <a:rPr lang="en-IN" sz="2500" dirty="0" err="1" smtClean="0"/>
               <a:t>seaborn</a:t>
             </a:r>
             <a:r>
-              <a:rPr lang="en-IN" sz="2000" dirty="0" smtClean="0"/>
+              <a:rPr lang="en-IN" sz="2500" dirty="0" smtClean="0"/>
               <a:t> – data visualization</a:t>
             </a:r>
           </a:p>
           <a:p>
-            <a:r>
-              <a:rPr lang="en-IN" sz="2000" dirty="0" smtClean="0"/>
+            <a:endParaRPr lang="en-IN" sz="2500" dirty="0" smtClean="0"/>
+          </a:p>
+          <a:p>
+            <a:pPr marL="342900" indent="-342900">
+              <a:buFont typeface="Wingdings" panose="05000000000000000000" pitchFamily="2" charset="2"/>
+              <a:buChar char="Ø"/>
+            </a:pPr>
+            <a:r>
+              <a:rPr lang="en-IN" sz="2500" dirty="0" smtClean="0"/>
               <a:t>- </a:t>
             </a:r>
             <a:r>
-              <a:rPr lang="en-IN" sz="2000" dirty="0" err="1" smtClean="0"/>
+              <a:rPr lang="en-IN" sz="2500" dirty="0" err="1" smtClean="0"/>
               <a:t>Scikit</a:t>
             </a:r>
             <a:r>
-              <a:rPr lang="en-IN" sz="2000" dirty="0" smtClean="0"/>
+              <a:rPr lang="en-IN" sz="2500" dirty="0" smtClean="0"/>
               <a:t>-learn – machine learning models</a:t>
             </a:r>
-          </a:p>
-          <a:p>
-            <a:pPr marL="342900" indent="-342900">
-              <a:buFont typeface="Arial" panose="020B0604020202020204" pitchFamily="34" charset="0"/>
-              <a:buChar char="•"/>
-            </a:pPr>
-            <a:endParaRPr lang="en-IN" sz="2000" b="1" dirty="0"/>
-          </a:p>
-        </p:txBody>
-      </p:sp>
+            <a:endParaRPr lang="en-IN" sz="2500" b="1" dirty="0"/>
+          </a:p>
+        </p:txBody>
+      </p:sp>
+      <p:cxnSp>
+        <p:nvCxnSpPr>
+          <p:cNvPr id="5" name="Straight Connector 4"/>
+          <p:cNvCxnSpPr/>
+          <p:nvPr/>
+        </p:nvCxnSpPr>
+        <p:spPr>
+          <a:xfrm>
+            <a:off x="4459952" y="154455"/>
+            <a:ext cx="0" cy="6545655"/>
+          </a:xfrm>
+          <a:prstGeom prst="line">
+            <a:avLst/>
+          </a:prstGeom>
+          <a:ln w="28575"/>
+        </p:spPr>
+        <p:style>
+          <a:lnRef idx="1">
+            <a:schemeClr val="accent1"/>
+          </a:lnRef>
+          <a:fillRef idx="0">
+            <a:schemeClr val="accent1"/>
+          </a:fillRef>
+          <a:effectRef idx="0">
+            <a:schemeClr val="accent1"/>
+          </a:effectRef>
+          <a:fontRef idx="minor">
+            <a:schemeClr val="tx1"/>
+          </a:fontRef>
+        </p:style>
+      </p:cxnSp>
     </p:spTree>
     <p:extLst>
       <p:ext uri="{BB962C8B-B14F-4D97-AF65-F5344CB8AC3E}">
@@ -5440,14 +6386,68 @@
       </p:grpSpPr>
       <p:sp>
         <p:nvSpPr>
+          <p:cNvPr id="6" name="Rectangle 5"/>
+          <p:cNvSpPr/>
+          <p:nvPr/>
+        </p:nvSpPr>
+        <p:spPr>
+          <a:xfrm>
+            <a:off x="313396" y="156172"/>
+            <a:ext cx="11536859" cy="6545655"/>
+          </a:xfrm>
+          <a:prstGeom prst="rect">
+            <a:avLst/>
+          </a:prstGeom>
+          <a:solidFill>
+            <a:schemeClr val="accent3">
+              <a:lumMod val="20000"/>
+              <a:lumOff val="80000"/>
+              <a:alpha val="47000"/>
+            </a:schemeClr>
+          </a:solidFill>
+          <a:ln w="44450">
+            <a:solidFill>
+              <a:schemeClr val="accent2">
+                <a:lumMod val="50000"/>
+              </a:schemeClr>
+            </a:solidFill>
+          </a:ln>
+        </p:spPr>
+        <p:style>
+          <a:lnRef idx="2">
+            <a:schemeClr val="accent1">
+              <a:shade val="50000"/>
+            </a:schemeClr>
+          </a:lnRef>
+          <a:fillRef idx="1">
+            <a:schemeClr val="accent1"/>
+          </a:fillRef>
+          <a:effectRef idx="0">
+            <a:schemeClr val="accent1"/>
+          </a:effectRef>
+          <a:fontRef idx="minor">
+            <a:schemeClr val="lt1"/>
+          </a:fontRef>
+        </p:style>
+        <p:txBody>
+          <a:bodyPr rtlCol="0" anchor="ctr"/>
+          <a:lstStyle/>
+          <a:p>
+            <a:pPr algn="ctr"/>
+            <a:endParaRPr lang="en-IN" dirty="0"/>
+          </a:p>
+        </p:txBody>
+      </p:sp>
+      <p:sp>
+        <p:nvSpPr>
           <p:cNvPr id="7" name="TextBox 6"/>
           <p:cNvSpPr txBox="1"/>
           <p:nvPr/>
         </p:nvSpPr>
         <p:spPr>
           <a:xfrm>
-            <a:off x="579422" y="461728"/>
-            <a:ext cx="2000816" cy="707886"/>
+            <a:off x="313396" y="2721114"/>
+            <a:ext cx="2328204" cy="707886"/>
           </a:xfrm>
           <a:prstGeom prst="rect">
             <a:avLst/>
@@ -5461,10 +6461,10 @@
           <a:lstStyle/>
           <a:p>
             <a:r>
-              <a:rPr lang="en-IN" sz="4000" dirty="0" smtClean="0"/>
-              <a:t>Content:</a:t>
-            </a:r>
-            <a:endParaRPr lang="en-IN" sz="4000" dirty="0"/>
+              <a:rPr lang="en-IN" sz="4000" b="1" dirty="0" smtClean="0"/>
+              <a:t>CONTENT</a:t>
+            </a:r>
+            <a:endParaRPr lang="en-IN" sz="4000" b="1" dirty="0"/>
           </a:p>
         </p:txBody>
       </p:sp>
@@ -5476,8 +6476,8 @@
         </p:nvSpPr>
         <p:spPr>
           <a:xfrm>
-            <a:off x="896293" y="1403287"/>
-            <a:ext cx="6953061" cy="3170099"/>
+            <a:off x="3378041" y="157012"/>
+            <a:ext cx="8056578" cy="6632585"/>
           </a:xfrm>
           <a:prstGeom prst="rect">
             <a:avLst/>
@@ -5495,7 +6495,7 @@
               <a:buChar char="•"/>
             </a:pPr>
             <a:r>
-              <a:rPr lang="en-IN" sz="2000" b="1" dirty="0" smtClean="0"/>
+              <a:rPr lang="en-IN" sz="2500" dirty="0" smtClean="0"/>
               <a:t>Data Description</a:t>
             </a:r>
           </a:p>
@@ -5504,22 +6504,7 @@
               <a:buFont typeface="Arial" panose="020B0604020202020204" pitchFamily="34" charset="0"/>
               <a:buChar char="•"/>
             </a:pPr>
-            <a:r>
-              <a:rPr lang="en-IN" sz="2000" b="1" dirty="0" smtClean="0"/>
-              <a:t>Data Wrangling</a:t>
-            </a:r>
-          </a:p>
-          <a:p>
-            <a:r>
-              <a:rPr lang="en-IN" sz="2000" b="1" dirty="0" smtClean="0"/>
-              <a:t>           1.Talking about the mismatch columns and its handling</a:t>
-            </a:r>
-          </a:p>
-          <a:p>
-            <a:r>
-              <a:rPr lang="en-IN" sz="2000" b="1" dirty="0" smtClean="0"/>
-              <a:t>           2.Outlier</a:t>
-            </a:r>
+            <a:endParaRPr lang="en-IN" sz="2500" dirty="0" smtClean="0"/>
           </a:p>
           <a:p>
             <a:pPr marL="342900" indent="-342900">
@@ -5527,9 +6512,24 @@
               <a:buChar char="•"/>
             </a:pPr>
             <a:r>
-              <a:rPr lang="en-IN" sz="2000" b="1" dirty="0" smtClean="0"/>
-              <a:t>Exploratory Data Analysis</a:t>
-            </a:r>
+              <a:rPr lang="en-IN" sz="2500" dirty="0" smtClean="0"/>
+              <a:t>Data Wrangling</a:t>
+            </a:r>
+          </a:p>
+          <a:p>
+            <a:r>
+              <a:rPr lang="en-IN" sz="2500" dirty="0" smtClean="0"/>
+              <a:t>           1.Talking about the mismatch columns and its handling</a:t>
+            </a:r>
+          </a:p>
+          <a:p>
+            <a:r>
+              <a:rPr lang="en-IN" sz="2500" dirty="0" smtClean="0"/>
+              <a:t>           2.Outlier</a:t>
+            </a:r>
+          </a:p>
+          <a:p>
+            <a:endParaRPr lang="en-IN" sz="2500" dirty="0" smtClean="0"/>
           </a:p>
           <a:p>
             <a:pPr marL="342900" indent="-342900">
@@ -5537,8 +6537,8 @@
               <a:buChar char="•"/>
             </a:pPr>
             <a:r>
-              <a:rPr lang="en-IN" sz="2000" b="1" dirty="0" smtClean="0"/>
-              <a:t>Correlation Analysis</a:t>
+              <a:rPr lang="en-IN" sz="2500" dirty="0" smtClean="0"/>
+              <a:t>Exploratory Data Analysis</a:t>
             </a:r>
           </a:p>
           <a:p>
@@ -5546,10 +6546,7 @@
               <a:buFont typeface="Arial" panose="020B0604020202020204" pitchFamily="34" charset="0"/>
               <a:buChar char="•"/>
             </a:pPr>
-            <a:r>
-              <a:rPr lang="en-IN" sz="2000" b="1" dirty="0" smtClean="0"/>
-              <a:t>Model’s List and their evaluation metrics</a:t>
-            </a:r>
+            <a:endParaRPr lang="en-IN" sz="2500" dirty="0" smtClean="0"/>
           </a:p>
           <a:p>
             <a:pPr marL="342900" indent="-342900">
@@ -5557,8 +6554,8 @@
               <a:buChar char="•"/>
             </a:pPr>
             <a:r>
-              <a:rPr lang="en-IN" sz="2000" b="1" dirty="0" smtClean="0"/>
-              <a:t>Model Selection</a:t>
+              <a:rPr lang="en-IN" sz="2500" dirty="0" smtClean="0"/>
+              <a:t>Correlation Analysis</a:t>
             </a:r>
           </a:p>
           <a:p>
@@ -5566,10 +6563,7 @@
               <a:buFont typeface="Arial" panose="020B0604020202020204" pitchFamily="34" charset="0"/>
               <a:buChar char="•"/>
             </a:pPr>
-            <a:r>
-              <a:rPr lang="en-IN" sz="2000" b="1" dirty="0" smtClean="0"/>
-              <a:t>Challenges faced</a:t>
-            </a:r>
+            <a:endParaRPr lang="en-IN" sz="2500" dirty="0" smtClean="0"/>
           </a:p>
           <a:p>
             <a:pPr marL="342900" indent="-342900">
@@ -5577,13 +6571,95 @@
               <a:buChar char="•"/>
             </a:pPr>
             <a:r>
-              <a:rPr lang="en-IN" sz="2000" b="1" dirty="0" smtClean="0"/>
+              <a:rPr lang="en-IN" sz="2500" dirty="0" smtClean="0"/>
+              <a:t>Model’s List and their evaluation metrics</a:t>
+            </a:r>
+          </a:p>
+          <a:p>
+            <a:pPr marL="342900" indent="-342900">
+              <a:buFont typeface="Arial" panose="020B0604020202020204" pitchFamily="34" charset="0"/>
+              <a:buChar char="•"/>
+            </a:pPr>
+            <a:endParaRPr lang="en-IN" sz="2500" dirty="0" smtClean="0"/>
+          </a:p>
+          <a:p>
+            <a:pPr marL="342900" indent="-342900">
+              <a:buFont typeface="Arial" panose="020B0604020202020204" pitchFamily="34" charset="0"/>
+              <a:buChar char="•"/>
+            </a:pPr>
+            <a:r>
+              <a:rPr lang="en-IN" sz="2500" dirty="0" smtClean="0"/>
+              <a:t>Model Selection</a:t>
+            </a:r>
+          </a:p>
+          <a:p>
+            <a:pPr marL="342900" indent="-342900">
+              <a:buFont typeface="Arial" panose="020B0604020202020204" pitchFamily="34" charset="0"/>
+              <a:buChar char="•"/>
+            </a:pPr>
+            <a:endParaRPr lang="en-IN" sz="2500" dirty="0" smtClean="0"/>
+          </a:p>
+          <a:p>
+            <a:pPr marL="342900" indent="-342900">
+              <a:buFont typeface="Arial" panose="020B0604020202020204" pitchFamily="34" charset="0"/>
+              <a:buChar char="•"/>
+            </a:pPr>
+            <a:r>
+              <a:rPr lang="en-IN" sz="2500" dirty="0" smtClean="0"/>
+              <a:t>Challenges faced</a:t>
+            </a:r>
+          </a:p>
+          <a:p>
+            <a:pPr marL="342900" indent="-342900">
+              <a:buFont typeface="Arial" panose="020B0604020202020204" pitchFamily="34" charset="0"/>
+              <a:buChar char="•"/>
+            </a:pPr>
+            <a:endParaRPr lang="en-IN" sz="2500" dirty="0" smtClean="0"/>
+          </a:p>
+          <a:p>
+            <a:pPr marL="342900" indent="-342900">
+              <a:buFont typeface="Arial" panose="020B0604020202020204" pitchFamily="34" charset="0"/>
+              <a:buChar char="•"/>
+            </a:pPr>
+            <a:r>
+              <a:rPr lang="en-IN" sz="2500" dirty="0" smtClean="0"/>
               <a:t>Conclusion</a:t>
             </a:r>
-            <a:endParaRPr lang="en-IN" sz="2000" b="1" dirty="0"/>
-          </a:p>
-        </p:txBody>
-      </p:sp>
+            <a:endParaRPr lang="en-IN" sz="2500" dirty="0"/>
+          </a:p>
+        </p:txBody>
+      </p:sp>
+      <p:cxnSp>
+        <p:nvCxnSpPr>
+          <p:cNvPr id="3" name="Straight Connector 2"/>
+          <p:cNvCxnSpPr/>
+          <p:nvPr/>
+        </p:nvCxnSpPr>
+        <p:spPr>
+          <a:xfrm>
+            <a:off x="3241964" y="156172"/>
+            <a:ext cx="27709" cy="6545655"/>
+          </a:xfrm>
+          <a:prstGeom prst="line">
+            <a:avLst/>
+          </a:prstGeom>
+          <a:ln w="28575"/>
+        </p:spPr>
+        <p:style>
+          <a:lnRef idx="1">
+            <a:schemeClr val="accent1"/>
+          </a:lnRef>
+          <a:fillRef idx="0">
+            <a:schemeClr val="accent1"/>
+          </a:fillRef>
+          <a:effectRef idx="0">
+            <a:schemeClr val="accent1"/>
+          </a:effectRef>
+          <a:fontRef idx="minor">
+            <a:schemeClr val="tx1"/>
+          </a:fontRef>
+        </p:style>
+      </p:cxnSp>
     </p:spTree>
     <p:extLst>
       <p:ext uri="{BB962C8B-B14F-4D97-AF65-F5344CB8AC3E}">
@@ -5635,6 +6711,60 @@
       </p:grpSpPr>
       <p:sp>
         <p:nvSpPr>
+          <p:cNvPr id="9" name="Rectangle 8"/>
+          <p:cNvSpPr/>
+          <p:nvPr/>
+        </p:nvSpPr>
+        <p:spPr>
+          <a:xfrm>
+            <a:off x="320804" y="154455"/>
+            <a:ext cx="11312653" cy="6545655"/>
+          </a:xfrm>
+          <a:prstGeom prst="rect">
+            <a:avLst/>
+          </a:prstGeom>
+          <a:solidFill>
+            <a:schemeClr val="accent3">
+              <a:lumMod val="20000"/>
+              <a:lumOff val="80000"/>
+              <a:alpha val="47000"/>
+            </a:schemeClr>
+          </a:solidFill>
+          <a:ln w="44450">
+            <a:solidFill>
+              <a:schemeClr val="accent2">
+                <a:lumMod val="50000"/>
+              </a:schemeClr>
+            </a:solidFill>
+          </a:ln>
+        </p:spPr>
+        <p:style>
+          <a:lnRef idx="2">
+            <a:schemeClr val="accent1">
+              <a:shade val="50000"/>
+            </a:schemeClr>
+          </a:lnRef>
+          <a:fillRef idx="1">
+            <a:schemeClr val="accent1"/>
+          </a:fillRef>
+          <a:effectRef idx="0">
+            <a:schemeClr val="accent1"/>
+          </a:effectRef>
+          <a:fontRef idx="minor">
+            <a:schemeClr val="lt1"/>
+          </a:fontRef>
+        </p:style>
+        <p:txBody>
+          <a:bodyPr rtlCol="0" anchor="ctr"/>
+          <a:lstStyle/>
+          <a:p>
+            <a:pPr algn="ctr"/>
+            <a:endParaRPr lang="en-IN" dirty="0"/>
+          </a:p>
+        </p:txBody>
+      </p:sp>
+      <p:sp>
+        <p:nvSpPr>
           <p:cNvPr id="8" name="TextBox 7"/>
           <p:cNvSpPr txBox="1"/>
           <p:nvPr/>
@@ -5672,13 +6802,13 @@
           <p:nvPr>
             <p:extLst>
               <p:ext uri="{D42A27DB-BD31-4B8C-83A1-F6EECF244321}">
-                <p14:modId xmlns:p14="http://schemas.microsoft.com/office/powerpoint/2010/main" val="2593255873"/>
+                <p14:modId xmlns:p14="http://schemas.microsoft.com/office/powerpoint/2010/main" val="1525259663"/>
               </p:ext>
             </p:extLst>
           </p:nvPr>
         </p:nvGraphicFramePr>
         <p:xfrm>
-          <a:off x="488886" y="715223"/>
+          <a:off x="506989" y="580756"/>
           <a:ext cx="5477348" cy="2353900"/>
         </p:xfrm>
         <a:graphic>
@@ -5745,12 +6875,12 @@
                     <a:p>
                       <a:pPr algn="l" fontAlgn="b"/>
                       <a:r>
-                        <a:rPr lang="en-IN" sz="1400" u="none" strike="noStrike">
+                        <a:rPr lang="en-IN" sz="1400" u="none" strike="noStrike" dirty="0">
                           <a:effectLst/>
                         </a:rPr>
                         <a:t>Categorical columns</a:t>
                       </a:r>
-                      <a:endParaRPr lang="en-IN" sz="1400" b="0" i="0" u="none" strike="noStrike">
+                      <a:endParaRPr lang="en-IN" sz="1400" b="0" i="0" u="none" strike="noStrike" dirty="0">
                         <a:solidFill>
                           <a:srgbClr val="000000"/>
                         </a:solidFill>
@@ -6100,12 +7230,12 @@
                     <a:p>
                       <a:pPr algn="l" fontAlgn="b"/>
                       <a:r>
-                        <a:rPr lang="en-IN" sz="1400" u="none" strike="noStrike">
+                        <a:rPr lang="en-IN" sz="1400" u="none" strike="noStrike" dirty="0">
                           <a:effectLst/>
                         </a:rPr>
                         <a:t>Processor_</a:t>
                       </a:r>
-                      <a:endParaRPr lang="en-IN" sz="1400" b="0" i="0" u="none" strike="noStrike">
+                      <a:endParaRPr lang="en-IN" sz="1400" b="0" i="0" u="none" strike="noStrike" dirty="0">
                         <a:solidFill>
                           <a:srgbClr val="000000"/>
                         </a:solidFill>
@@ -6284,7 +7414,7 @@
         </p:blipFill>
         <p:spPr>
           <a:xfrm>
-            <a:off x="5984337" y="3377516"/>
+            <a:off x="5522614" y="3410044"/>
             <a:ext cx="5957182" cy="3144697"/>
           </a:xfrm>
           <a:prstGeom prst="rect">
@@ -6429,7 +7559,6 @@
               <a:rPr lang="en-IN" dirty="0"/>
               <a:t>:</a:t>
             </a:r>
-            <a:endParaRPr lang="en-IN" dirty="0"/>
           </a:p>
         </p:txBody>
       </p:sp>
@@ -6484,6 +7613,60 @@
       </p:grpSpPr>
       <p:sp>
         <p:nvSpPr>
+          <p:cNvPr id="6" name="Rectangle 5"/>
+          <p:cNvSpPr/>
+          <p:nvPr/>
+        </p:nvSpPr>
+        <p:spPr>
+          <a:xfrm>
+            <a:off x="320804" y="154455"/>
+            <a:ext cx="11312653" cy="6545655"/>
+          </a:xfrm>
+          <a:prstGeom prst="rect">
+            <a:avLst/>
+          </a:prstGeom>
+          <a:solidFill>
+            <a:schemeClr val="accent3">
+              <a:lumMod val="20000"/>
+              <a:lumOff val="80000"/>
+              <a:alpha val="47000"/>
+            </a:schemeClr>
+          </a:solidFill>
+          <a:ln w="44450">
+            <a:solidFill>
+              <a:schemeClr val="accent2">
+                <a:lumMod val="50000"/>
+              </a:schemeClr>
+            </a:solidFill>
+          </a:ln>
+        </p:spPr>
+        <p:style>
+          <a:lnRef idx="2">
+            <a:schemeClr val="accent1">
+              <a:shade val="50000"/>
+            </a:schemeClr>
+          </a:lnRef>
+          <a:fillRef idx="1">
+            <a:schemeClr val="accent1"/>
+          </a:fillRef>
+          <a:effectRef idx="0">
+            <a:schemeClr val="accent1"/>
+          </a:effectRef>
+          <a:fontRef idx="minor">
+            <a:schemeClr val="lt1"/>
+          </a:fontRef>
+        </p:style>
+        <p:txBody>
+          <a:bodyPr rtlCol="0" anchor="ctr"/>
+          <a:lstStyle/>
+          <a:p>
+            <a:pPr algn="ctr"/>
+            <a:endParaRPr lang="en-IN" dirty="0"/>
+          </a:p>
+        </p:txBody>
+      </p:sp>
+      <p:sp>
+        <p:nvSpPr>
           <p:cNvPr id="8" name="TextBox 7"/>
           <p:cNvSpPr txBox="1"/>
           <p:nvPr/>
@@ -6552,7 +7735,7 @@
         </p:nvSpPr>
         <p:spPr bwMode="auto">
           <a:xfrm>
-            <a:off x="479833" y="1544804"/>
+            <a:off x="479833" y="893867"/>
             <a:ext cx="9913545" cy="2246769"/>
           </a:xfrm>
           <a:prstGeom prst="rect">
@@ -6872,8 +8055,8 @@
         </p:blipFill>
         <p:spPr>
           <a:xfrm>
-            <a:off x="760491" y="3656915"/>
-            <a:ext cx="6226851" cy="3070493"/>
+            <a:off x="479834" y="3140636"/>
+            <a:ext cx="9560094" cy="3334055"/>
           </a:xfrm>
           <a:prstGeom prst="rect">
             <a:avLst/>
@@ -6931,6 +8114,60 @@
       </p:grpSpPr>
       <p:sp>
         <p:nvSpPr>
+          <p:cNvPr id="7" name="Rectangle 6"/>
+          <p:cNvSpPr/>
+          <p:nvPr/>
+        </p:nvSpPr>
+        <p:spPr>
+          <a:xfrm>
+            <a:off x="200737" y="189517"/>
+            <a:ext cx="11312653" cy="6545655"/>
+          </a:xfrm>
+          <a:prstGeom prst="rect">
+            <a:avLst/>
+          </a:prstGeom>
+          <a:solidFill>
+            <a:schemeClr val="accent3">
+              <a:lumMod val="20000"/>
+              <a:lumOff val="80000"/>
+              <a:alpha val="47000"/>
+            </a:schemeClr>
+          </a:solidFill>
+          <a:ln w="44450">
+            <a:solidFill>
+              <a:schemeClr val="accent2">
+                <a:lumMod val="50000"/>
+              </a:schemeClr>
+            </a:solidFill>
+          </a:ln>
+        </p:spPr>
+        <p:style>
+          <a:lnRef idx="2">
+            <a:schemeClr val="accent1">
+              <a:shade val="50000"/>
+            </a:schemeClr>
+          </a:lnRef>
+          <a:fillRef idx="1">
+            <a:schemeClr val="accent1"/>
+          </a:fillRef>
+          <a:effectRef idx="0">
+            <a:schemeClr val="accent1"/>
+          </a:effectRef>
+          <a:fontRef idx="minor">
+            <a:schemeClr val="lt1"/>
+          </a:fontRef>
+        </p:style>
+        <p:txBody>
+          <a:bodyPr rtlCol="0" anchor="ctr"/>
+          <a:lstStyle/>
+          <a:p>
+            <a:pPr algn="ctr"/>
+            <a:endParaRPr lang="en-IN" dirty="0"/>
+          </a:p>
+        </p:txBody>
+      </p:sp>
+      <p:sp>
+        <p:nvSpPr>
           <p:cNvPr id="8" name="TextBox 7"/>
           <p:cNvSpPr txBox="1"/>
           <p:nvPr/>
@@ -6968,7 +8205,7 @@
         <p:spPr>
           <a:xfrm>
             <a:off x="246000" y="274797"/>
-            <a:ext cx="4059829" cy="369332"/>
+            <a:ext cx="4130361" cy="369332"/>
           </a:xfrm>
           <a:prstGeom prst="rect">
             <a:avLst/>
@@ -6985,12 +8222,12 @@
               <a:t>Data Cleaning &amp; </a:t>
             </a:r>
             <a:r>
-              <a:rPr lang="en-IN" dirty="0" err="1"/>
-              <a:t>Preprocessing</a:t>
+              <a:rPr lang="en-IN" dirty="0" smtClean="0"/>
+              <a:t>Pre-processing </a:t>
             </a:r>
             <a:r>
               <a:rPr lang="en-IN" dirty="0"/>
-              <a:t> Summary:</a:t>
+              <a:t>Summary:</a:t>
             </a:r>
           </a:p>
         </p:txBody>
@@ -7353,8 +8590,8 @@
         </p:blipFill>
         <p:spPr>
           <a:xfrm>
-            <a:off x="443621" y="2424270"/>
-            <a:ext cx="6255944" cy="3250371"/>
+            <a:off x="443620" y="2424270"/>
+            <a:ext cx="9965761" cy="4051737"/>
           </a:xfrm>
           <a:prstGeom prst="rect">
             <a:avLst/>
@@ -7412,6 +8649,60 @@
       </p:grpSpPr>
       <p:sp>
         <p:nvSpPr>
+          <p:cNvPr id="9" name="Rectangle 8"/>
+          <p:cNvSpPr/>
+          <p:nvPr/>
+        </p:nvSpPr>
+        <p:spPr>
+          <a:xfrm>
+            <a:off x="200737" y="189517"/>
+            <a:ext cx="11312653" cy="6545655"/>
+          </a:xfrm>
+          <a:prstGeom prst="rect">
+            <a:avLst/>
+          </a:prstGeom>
+          <a:solidFill>
+            <a:schemeClr val="accent3">
+              <a:lumMod val="20000"/>
+              <a:lumOff val="80000"/>
+              <a:alpha val="47000"/>
+            </a:schemeClr>
+          </a:solidFill>
+          <a:ln w="44450">
+            <a:solidFill>
+              <a:schemeClr val="accent2">
+                <a:lumMod val="50000"/>
+              </a:schemeClr>
+            </a:solidFill>
+          </a:ln>
+        </p:spPr>
+        <p:style>
+          <a:lnRef idx="2">
+            <a:schemeClr val="accent1">
+              <a:shade val="50000"/>
+            </a:schemeClr>
+          </a:lnRef>
+          <a:fillRef idx="1">
+            <a:schemeClr val="accent1"/>
+          </a:fillRef>
+          <a:effectRef idx="0">
+            <a:schemeClr val="accent1"/>
+          </a:effectRef>
+          <a:fontRef idx="minor">
+            <a:schemeClr val="lt1"/>
+          </a:fontRef>
+        </p:style>
+        <p:txBody>
+          <a:bodyPr rtlCol="0" anchor="ctr"/>
+          <a:lstStyle/>
+          <a:p>
+            <a:pPr algn="ctr"/>
+            <a:endParaRPr lang="en-IN" dirty="0"/>
+          </a:p>
+        </p:txBody>
+      </p:sp>
+      <p:sp>
+        <p:nvSpPr>
           <p:cNvPr id="8" name="TextBox 7"/>
           <p:cNvSpPr txBox="1"/>
           <p:nvPr/>
@@ -7634,8 +8925,8 @@
         </p:blipFill>
         <p:spPr>
           <a:xfrm>
-            <a:off x="6308821" y="3512745"/>
-            <a:ext cx="4510070" cy="3345255"/>
+            <a:off x="6192569" y="3512745"/>
+            <a:ext cx="4200809" cy="3029639"/>
           </a:xfrm>
           <a:prstGeom prst="rect">
             <a:avLst/>
@@ -7722,13 +9013,67 @@
       </p:grpSpPr>
       <p:sp>
         <p:nvSpPr>
+          <p:cNvPr id="7" name="Rectangle 6"/>
+          <p:cNvSpPr/>
+          <p:nvPr/>
+        </p:nvSpPr>
+        <p:spPr>
+          <a:xfrm>
+            <a:off x="199176" y="171044"/>
+            <a:ext cx="11688024" cy="6545655"/>
+          </a:xfrm>
+          <a:prstGeom prst="rect">
+            <a:avLst/>
+          </a:prstGeom>
+          <a:solidFill>
+            <a:schemeClr val="accent3">
+              <a:lumMod val="20000"/>
+              <a:lumOff val="80000"/>
+              <a:alpha val="47000"/>
+            </a:schemeClr>
+          </a:solidFill>
+          <a:ln w="44450">
+            <a:solidFill>
+              <a:schemeClr val="accent2">
+                <a:lumMod val="50000"/>
+              </a:schemeClr>
+            </a:solidFill>
+          </a:ln>
+        </p:spPr>
+        <p:style>
+          <a:lnRef idx="2">
+            <a:schemeClr val="accent1">
+              <a:shade val="50000"/>
+            </a:schemeClr>
+          </a:lnRef>
+          <a:fillRef idx="1">
+            <a:schemeClr val="accent1"/>
+          </a:fillRef>
+          <a:effectRef idx="0">
+            <a:schemeClr val="accent1"/>
+          </a:effectRef>
+          <a:fontRef idx="minor">
+            <a:schemeClr val="lt1"/>
+          </a:fontRef>
+        </p:style>
+        <p:txBody>
+          <a:bodyPr rtlCol="0" anchor="ctr"/>
+          <a:lstStyle/>
+          <a:p>
+            <a:pPr algn="ctr"/>
+            <a:endParaRPr lang="en-IN" dirty="0"/>
+          </a:p>
+        </p:txBody>
+      </p:sp>
+      <p:sp>
+        <p:nvSpPr>
           <p:cNvPr id="8" name="TextBox 7"/>
           <p:cNvSpPr txBox="1"/>
           <p:nvPr/>
         </p:nvSpPr>
         <p:spPr>
           <a:xfrm>
-            <a:off x="199176" y="3911098"/>
+            <a:off x="428891" y="3911098"/>
             <a:ext cx="5173249" cy="1015663"/>
           </a:xfrm>
           <a:prstGeom prst="rect">
@@ -7779,7 +9124,7 @@
         <p:spPr>
           <a:xfrm>
             <a:off x="5917592" y="584396"/>
-            <a:ext cx="5940029" cy="3643572"/>
+            <a:ext cx="5423443" cy="3738222"/>
           </a:xfrm>
           <a:prstGeom prst="rect">
             <a:avLst/>
@@ -7794,7 +9139,7 @@
         </p:nvSpPr>
         <p:spPr>
           <a:xfrm>
-            <a:off x="199176" y="1176950"/>
+            <a:off x="428891" y="1198797"/>
             <a:ext cx="5549774" cy="1482970"/>
           </a:xfrm>
           <a:prstGeom prst="rect">
@@ -7946,7 +9291,7 @@
         </p:nvSpPr>
         <p:spPr>
           <a:xfrm>
-            <a:off x="506993" y="5192490"/>
+            <a:off x="623540" y="5312563"/>
             <a:ext cx="5160475" cy="685059"/>
           </a:xfrm>
           <a:prstGeom prst="rect">
